--- a/doc/presentations/PrésentationDesignElectronique.pptx
+++ b/doc/presentations/PrésentationDesignElectronique.pptx
@@ -128,6 +128,59 @@
 </p:presentation>
 </file>
 
+<file path=ppt/revisionInfo.xml><?xml version="1.0" encoding="utf-8"?>
+<p1510:revInfo xmlns:a="http://schemas.openxmlformats.org/drawingml/2006/main" xmlns:r="http://schemas.openxmlformats.org/officeDocument/2006/relationships" xmlns:p1510="http://schemas.microsoft.com/office/powerpoint/2015/10/main">
+  <p1510:revLst>
+    <p1510:client id="{CD25AACE-8C07-4728-ABEB-EA38488B5F8E}" v="15" dt="2023-02-01T14:44:28.102"/>
+  </p1510:revLst>
+</p1510:revInfo>
+</file>
+
+<file path=ppt/changesInfos/changesInfo1.xml><?xml version="1.0" encoding="utf-8"?>
+<pc:chgInfo xmlns:a="http://schemas.openxmlformats.org/drawingml/2006/main" xmlns:r="http://schemas.openxmlformats.org/officeDocument/2006/relationships" xmlns:ac="http://schemas.microsoft.com/office/drawing/2013/main/command" xmlns:pc="http://schemas.microsoft.com/office/powerpoint/2013/main/command">
+  <pc:docChgLst>
+    <pc:chgData name="Meven Ricchieri" userId="4fe60bbc-8ce5-4c1a-aa6e-369d8cd32077" providerId="ADAL" clId="{CD25AACE-8C07-4728-ABEB-EA38488B5F8E}"/>
+    <pc:docChg chg="modSld">
+      <pc:chgData name="Meven Ricchieri" userId="4fe60bbc-8ce5-4c1a-aa6e-369d8cd32077" providerId="ADAL" clId="{CD25AACE-8C07-4728-ABEB-EA38488B5F8E}" dt="2023-02-01T14:44:28.102" v="14" actId="1076"/>
+      <pc:docMkLst>
+        <pc:docMk/>
+      </pc:docMkLst>
+      <pc:sldChg chg="modSp mod">
+        <pc:chgData name="Meven Ricchieri" userId="4fe60bbc-8ce5-4c1a-aa6e-369d8cd32077" providerId="ADAL" clId="{CD25AACE-8C07-4728-ABEB-EA38488B5F8E}" dt="2023-02-01T14:44:28.102" v="14" actId="1076"/>
+        <pc:sldMkLst>
+          <pc:docMk/>
+          <pc:sldMk cId="2102889007" sldId="262"/>
+        </pc:sldMkLst>
+        <pc:spChg chg="mod">
+          <ac:chgData name="Meven Ricchieri" userId="4fe60bbc-8ce5-4c1a-aa6e-369d8cd32077" providerId="ADAL" clId="{CD25AACE-8C07-4728-ABEB-EA38488B5F8E}" dt="2023-02-01T14:44:20.677" v="12" actId="20577"/>
+          <ac:spMkLst>
+            <pc:docMk/>
+            <pc:sldMk cId="2102889007" sldId="262"/>
+            <ac:spMk id="11" creationId="{00000000-0000-0000-0000-000000000000}"/>
+          </ac:spMkLst>
+        </pc:spChg>
+        <pc:picChg chg="mod">
+          <ac:chgData name="Meven Ricchieri" userId="4fe60bbc-8ce5-4c1a-aa6e-369d8cd32077" providerId="ADAL" clId="{CD25AACE-8C07-4728-ABEB-EA38488B5F8E}" dt="2023-02-01T14:44:26.307" v="13" actId="1076"/>
+          <ac:picMkLst>
+            <pc:docMk/>
+            <pc:sldMk cId="2102889007" sldId="262"/>
+            <ac:picMk id="6" creationId="{00000000-0000-0000-0000-000000000000}"/>
+          </ac:picMkLst>
+        </pc:picChg>
+        <pc:picChg chg="mod">
+          <ac:chgData name="Meven Ricchieri" userId="4fe60bbc-8ce5-4c1a-aa6e-369d8cd32077" providerId="ADAL" clId="{CD25AACE-8C07-4728-ABEB-EA38488B5F8E}" dt="2023-02-01T14:44:28.102" v="14" actId="1076"/>
+          <ac:picMkLst>
+            <pc:docMk/>
+            <pc:sldMk cId="2102889007" sldId="262"/>
+            <ac:picMk id="7" creationId="{00000000-0000-0000-0000-000000000000}"/>
+          </ac:picMkLst>
+        </pc:picChg>
+      </pc:sldChg>
+    </pc:docChg>
+  </pc:docChgLst>
+</pc:chgInfo>
+</file>
+
 <file path=ppt/slideLayouts/slideLayout1.xml><?xml version="1.0" encoding="utf-8"?>
 <p:sldLayout xmlns:a="http://schemas.openxmlformats.org/drawingml/2006/main" xmlns:r="http://schemas.openxmlformats.org/officeDocument/2006/relationships" xmlns:p="http://schemas.openxmlformats.org/presentationml/2006/main" type="title" preserve="1">
   <p:cSld name="Diapositive de titre">
@@ -170,7 +223,7 @@
           </a:lstStyle>
           <a:p>
             <a:r>
-              <a:rPr lang="fr-FR" smtClean="0"/>
+              <a:rPr lang="fr-FR"/>
               <a:t>Modifiez le style du titre</a:t>
             </a:r>
             <a:endParaRPr lang="en-US"/>
@@ -235,7 +288,7 @@
           </a:lstStyle>
           <a:p>
             <a:r>
-              <a:rPr lang="fr-FR" smtClean="0"/>
+              <a:rPr lang="fr-FR"/>
               <a:t>Modifier le style des sous-titres du masque</a:t>
             </a:r>
             <a:endParaRPr lang="en-US"/>
@@ -301,7 +354,7 @@
           <a:p>
             <a:fld id="{234B908D-E45B-45B1-8B65-74B3E032BC00}" type="slidenum">
               <a:rPr lang="en-US" smtClean="0"/>
-              <a:t>‹N°›</a:t>
+              <a:t>‹#›</a:t>
             </a:fld>
             <a:endParaRPr lang="en-US"/>
           </a:p>
@@ -356,7 +409,7 @@
           <a:lstStyle/>
           <a:p>
             <a:r>
-              <a:rPr lang="fr-FR" smtClean="0"/>
+              <a:rPr lang="fr-FR"/>
               <a:t>Modifiez le style du titre</a:t>
             </a:r>
             <a:endParaRPr lang="en-US"/>
@@ -380,35 +433,35 @@
           <a:p>
             <a:pPr lvl="0"/>
             <a:r>
-              <a:rPr lang="fr-FR" smtClean="0"/>
+              <a:rPr lang="fr-FR"/>
               <a:t>Modifier les styles du texte du masque</a:t>
             </a:r>
           </a:p>
           <a:p>
             <a:pPr lvl="1"/>
             <a:r>
-              <a:rPr lang="fr-FR" smtClean="0"/>
+              <a:rPr lang="fr-FR"/>
               <a:t>Deuxième niveau</a:t>
             </a:r>
           </a:p>
           <a:p>
             <a:pPr lvl="2"/>
             <a:r>
-              <a:rPr lang="fr-FR" smtClean="0"/>
+              <a:rPr lang="fr-FR"/>
               <a:t>Troisième niveau</a:t>
             </a:r>
           </a:p>
           <a:p>
             <a:pPr lvl="3"/>
             <a:r>
-              <a:rPr lang="fr-FR" smtClean="0"/>
+              <a:rPr lang="fr-FR"/>
               <a:t>Quatrième niveau</a:t>
             </a:r>
           </a:p>
           <a:p>
             <a:pPr lvl="4"/>
             <a:r>
-              <a:rPr lang="fr-FR" smtClean="0"/>
+              <a:rPr lang="fr-FR"/>
               <a:t>Cinquième niveau</a:t>
             </a:r>
             <a:endParaRPr lang="en-US"/>
@@ -474,7 +527,7 @@
           <a:p>
             <a:fld id="{234B908D-E45B-45B1-8B65-74B3E032BC00}" type="slidenum">
               <a:rPr lang="en-US" smtClean="0"/>
-              <a:t>‹N°›</a:t>
+              <a:t>‹#›</a:t>
             </a:fld>
             <a:endParaRPr lang="en-US"/>
           </a:p>
@@ -534,7 +587,7 @@
           <a:lstStyle/>
           <a:p>
             <a:r>
-              <a:rPr lang="fr-FR" smtClean="0"/>
+              <a:rPr lang="fr-FR"/>
               <a:t>Modifiez le style du titre</a:t>
             </a:r>
             <a:endParaRPr lang="en-US"/>
@@ -563,35 +616,35 @@
           <a:p>
             <a:pPr lvl="0"/>
             <a:r>
-              <a:rPr lang="fr-FR" smtClean="0"/>
+              <a:rPr lang="fr-FR"/>
               <a:t>Modifier les styles du texte du masque</a:t>
             </a:r>
           </a:p>
           <a:p>
             <a:pPr lvl="1"/>
             <a:r>
-              <a:rPr lang="fr-FR" smtClean="0"/>
+              <a:rPr lang="fr-FR"/>
               <a:t>Deuxième niveau</a:t>
             </a:r>
           </a:p>
           <a:p>
             <a:pPr lvl="2"/>
             <a:r>
-              <a:rPr lang="fr-FR" smtClean="0"/>
+              <a:rPr lang="fr-FR"/>
               <a:t>Troisième niveau</a:t>
             </a:r>
           </a:p>
           <a:p>
             <a:pPr lvl="3"/>
             <a:r>
-              <a:rPr lang="fr-FR" smtClean="0"/>
+              <a:rPr lang="fr-FR"/>
               <a:t>Quatrième niveau</a:t>
             </a:r>
           </a:p>
           <a:p>
             <a:pPr lvl="4"/>
             <a:r>
-              <a:rPr lang="fr-FR" smtClean="0"/>
+              <a:rPr lang="fr-FR"/>
               <a:t>Cinquième niveau</a:t>
             </a:r>
             <a:endParaRPr lang="en-US"/>
@@ -657,7 +710,7 @@
           <a:p>
             <a:fld id="{234B908D-E45B-45B1-8B65-74B3E032BC00}" type="slidenum">
               <a:rPr lang="en-US" smtClean="0"/>
-              <a:t>‹N°›</a:t>
+              <a:t>‹#›</a:t>
             </a:fld>
             <a:endParaRPr lang="en-US"/>
           </a:p>
@@ -712,7 +765,7 @@
           <a:lstStyle/>
           <a:p>
             <a:r>
-              <a:rPr lang="fr-FR" smtClean="0"/>
+              <a:rPr lang="fr-FR"/>
               <a:t>Modifiez le style du titre</a:t>
             </a:r>
             <a:endParaRPr lang="en-US"/>
@@ -736,35 +789,35 @@
           <a:p>
             <a:pPr lvl="0"/>
             <a:r>
-              <a:rPr lang="fr-FR" smtClean="0"/>
+              <a:rPr lang="fr-FR"/>
               <a:t>Modifier les styles du texte du masque</a:t>
             </a:r>
           </a:p>
           <a:p>
             <a:pPr lvl="1"/>
             <a:r>
-              <a:rPr lang="fr-FR" smtClean="0"/>
+              <a:rPr lang="fr-FR"/>
               <a:t>Deuxième niveau</a:t>
             </a:r>
           </a:p>
           <a:p>
             <a:pPr lvl="2"/>
             <a:r>
-              <a:rPr lang="fr-FR" smtClean="0"/>
+              <a:rPr lang="fr-FR"/>
               <a:t>Troisième niveau</a:t>
             </a:r>
           </a:p>
           <a:p>
             <a:pPr lvl="3"/>
             <a:r>
-              <a:rPr lang="fr-FR" smtClean="0"/>
+              <a:rPr lang="fr-FR"/>
               <a:t>Quatrième niveau</a:t>
             </a:r>
           </a:p>
           <a:p>
             <a:pPr lvl="4"/>
             <a:r>
-              <a:rPr lang="fr-FR" smtClean="0"/>
+              <a:rPr lang="fr-FR"/>
               <a:t>Cinquième niveau</a:t>
             </a:r>
             <a:endParaRPr lang="en-US"/>
@@ -830,7 +883,7 @@
           <a:p>
             <a:fld id="{234B908D-E45B-45B1-8B65-74B3E032BC00}" type="slidenum">
               <a:rPr lang="en-US" smtClean="0"/>
-              <a:t>‹N°›</a:t>
+              <a:t>‹#›</a:t>
             </a:fld>
             <a:endParaRPr lang="en-US"/>
           </a:p>
@@ -894,7 +947,7 @@
           </a:lstStyle>
           <a:p>
             <a:r>
-              <a:rPr lang="fr-FR" smtClean="0"/>
+              <a:rPr lang="fr-FR"/>
               <a:t>Modifiez le style du titre</a:t>
             </a:r>
             <a:endParaRPr lang="en-US"/>
@@ -1014,7 +1067,7 @@
           <a:p>
             <a:pPr lvl="0"/>
             <a:r>
-              <a:rPr lang="fr-FR" smtClean="0"/>
+              <a:rPr lang="fr-FR"/>
               <a:t>Modifier les styles du texte du masque</a:t>
             </a:r>
           </a:p>
@@ -1079,7 +1132,7 @@
           <a:p>
             <a:fld id="{234B908D-E45B-45B1-8B65-74B3E032BC00}" type="slidenum">
               <a:rPr lang="en-US" smtClean="0"/>
-              <a:t>‹N°›</a:t>
+              <a:t>‹#›</a:t>
             </a:fld>
             <a:endParaRPr lang="en-US"/>
           </a:p>
@@ -1134,7 +1187,7 @@
           <a:lstStyle/>
           <a:p>
             <a:r>
-              <a:rPr lang="fr-FR" smtClean="0"/>
+              <a:rPr lang="fr-FR"/>
               <a:t>Modifiez le style du titre</a:t>
             </a:r>
             <a:endParaRPr lang="en-US"/>
@@ -1163,35 +1216,35 @@
           <a:p>
             <a:pPr lvl="0"/>
             <a:r>
-              <a:rPr lang="fr-FR" smtClean="0"/>
+              <a:rPr lang="fr-FR"/>
               <a:t>Modifier les styles du texte du masque</a:t>
             </a:r>
           </a:p>
           <a:p>
             <a:pPr lvl="1"/>
             <a:r>
-              <a:rPr lang="fr-FR" smtClean="0"/>
+              <a:rPr lang="fr-FR"/>
               <a:t>Deuxième niveau</a:t>
             </a:r>
           </a:p>
           <a:p>
             <a:pPr lvl="2"/>
             <a:r>
-              <a:rPr lang="fr-FR" smtClean="0"/>
+              <a:rPr lang="fr-FR"/>
               <a:t>Troisième niveau</a:t>
             </a:r>
           </a:p>
           <a:p>
             <a:pPr lvl="3"/>
             <a:r>
-              <a:rPr lang="fr-FR" smtClean="0"/>
+              <a:rPr lang="fr-FR"/>
               <a:t>Quatrième niveau</a:t>
             </a:r>
           </a:p>
           <a:p>
             <a:pPr lvl="4"/>
             <a:r>
-              <a:rPr lang="fr-FR" smtClean="0"/>
+              <a:rPr lang="fr-FR"/>
               <a:t>Cinquième niveau</a:t>
             </a:r>
             <a:endParaRPr lang="en-US"/>
@@ -1220,35 +1273,35 @@
           <a:p>
             <a:pPr lvl="0"/>
             <a:r>
-              <a:rPr lang="fr-FR" smtClean="0"/>
+              <a:rPr lang="fr-FR"/>
               <a:t>Modifier les styles du texte du masque</a:t>
             </a:r>
           </a:p>
           <a:p>
             <a:pPr lvl="1"/>
             <a:r>
-              <a:rPr lang="fr-FR" smtClean="0"/>
+              <a:rPr lang="fr-FR"/>
               <a:t>Deuxième niveau</a:t>
             </a:r>
           </a:p>
           <a:p>
             <a:pPr lvl="2"/>
             <a:r>
-              <a:rPr lang="fr-FR" smtClean="0"/>
+              <a:rPr lang="fr-FR"/>
               <a:t>Troisième niveau</a:t>
             </a:r>
           </a:p>
           <a:p>
             <a:pPr lvl="3"/>
             <a:r>
-              <a:rPr lang="fr-FR" smtClean="0"/>
+              <a:rPr lang="fr-FR"/>
               <a:t>Quatrième niveau</a:t>
             </a:r>
           </a:p>
           <a:p>
             <a:pPr lvl="4"/>
             <a:r>
-              <a:rPr lang="fr-FR" smtClean="0"/>
+              <a:rPr lang="fr-FR"/>
               <a:t>Cinquième niveau</a:t>
             </a:r>
             <a:endParaRPr lang="en-US"/>
@@ -1314,7 +1367,7 @@
           <a:p>
             <a:fld id="{234B908D-E45B-45B1-8B65-74B3E032BC00}" type="slidenum">
               <a:rPr lang="en-US" smtClean="0"/>
-              <a:t>‹N°›</a:t>
+              <a:t>‹#›</a:t>
             </a:fld>
             <a:endParaRPr lang="en-US"/>
           </a:p>
@@ -1374,7 +1427,7 @@
           <a:lstStyle/>
           <a:p>
             <a:r>
-              <a:rPr lang="fr-FR" smtClean="0"/>
+              <a:rPr lang="fr-FR"/>
               <a:t>Modifiez le style du titre</a:t>
             </a:r>
             <a:endParaRPr lang="en-US"/>
@@ -1440,7 +1493,7 @@
           <a:p>
             <a:pPr lvl="0"/>
             <a:r>
-              <a:rPr lang="fr-FR" smtClean="0"/>
+              <a:rPr lang="fr-FR"/>
               <a:t>Modifier les styles du texte du masque</a:t>
             </a:r>
           </a:p>
@@ -1468,35 +1521,35 @@
           <a:p>
             <a:pPr lvl="0"/>
             <a:r>
-              <a:rPr lang="fr-FR" smtClean="0"/>
+              <a:rPr lang="fr-FR"/>
               <a:t>Modifier les styles du texte du masque</a:t>
             </a:r>
           </a:p>
           <a:p>
             <a:pPr lvl="1"/>
             <a:r>
-              <a:rPr lang="fr-FR" smtClean="0"/>
+              <a:rPr lang="fr-FR"/>
               <a:t>Deuxième niveau</a:t>
             </a:r>
           </a:p>
           <a:p>
             <a:pPr lvl="2"/>
             <a:r>
-              <a:rPr lang="fr-FR" smtClean="0"/>
+              <a:rPr lang="fr-FR"/>
               <a:t>Troisième niveau</a:t>
             </a:r>
           </a:p>
           <a:p>
             <a:pPr lvl="3"/>
             <a:r>
-              <a:rPr lang="fr-FR" smtClean="0"/>
+              <a:rPr lang="fr-FR"/>
               <a:t>Quatrième niveau</a:t>
             </a:r>
           </a:p>
           <a:p>
             <a:pPr lvl="4"/>
             <a:r>
-              <a:rPr lang="fr-FR" smtClean="0"/>
+              <a:rPr lang="fr-FR"/>
               <a:t>Cinquième niveau</a:t>
             </a:r>
             <a:endParaRPr lang="en-US"/>
@@ -1562,7 +1615,7 @@
           <a:p>
             <a:pPr lvl="0"/>
             <a:r>
-              <a:rPr lang="fr-FR" smtClean="0"/>
+              <a:rPr lang="fr-FR"/>
               <a:t>Modifier les styles du texte du masque</a:t>
             </a:r>
           </a:p>
@@ -1590,35 +1643,35 @@
           <a:p>
             <a:pPr lvl="0"/>
             <a:r>
-              <a:rPr lang="fr-FR" smtClean="0"/>
+              <a:rPr lang="fr-FR"/>
               <a:t>Modifier les styles du texte du masque</a:t>
             </a:r>
           </a:p>
           <a:p>
             <a:pPr lvl="1"/>
             <a:r>
-              <a:rPr lang="fr-FR" smtClean="0"/>
+              <a:rPr lang="fr-FR"/>
               <a:t>Deuxième niveau</a:t>
             </a:r>
           </a:p>
           <a:p>
             <a:pPr lvl="2"/>
             <a:r>
-              <a:rPr lang="fr-FR" smtClean="0"/>
+              <a:rPr lang="fr-FR"/>
               <a:t>Troisième niveau</a:t>
             </a:r>
           </a:p>
           <a:p>
             <a:pPr lvl="3"/>
             <a:r>
-              <a:rPr lang="fr-FR" smtClean="0"/>
+              <a:rPr lang="fr-FR"/>
               <a:t>Quatrième niveau</a:t>
             </a:r>
           </a:p>
           <a:p>
             <a:pPr lvl="4"/>
             <a:r>
-              <a:rPr lang="fr-FR" smtClean="0"/>
+              <a:rPr lang="fr-FR"/>
               <a:t>Cinquième niveau</a:t>
             </a:r>
             <a:endParaRPr lang="en-US"/>
@@ -1684,7 +1737,7 @@
           <a:p>
             <a:fld id="{234B908D-E45B-45B1-8B65-74B3E032BC00}" type="slidenum">
               <a:rPr lang="en-US" smtClean="0"/>
-              <a:t>‹N°›</a:t>
+              <a:t>‹#›</a:t>
             </a:fld>
             <a:endParaRPr lang="en-US"/>
           </a:p>
@@ -1739,7 +1792,7 @@
           <a:lstStyle/>
           <a:p>
             <a:r>
-              <a:rPr lang="fr-FR" smtClean="0"/>
+              <a:rPr lang="fr-FR"/>
               <a:t>Modifiez le style du titre</a:t>
             </a:r>
             <a:endParaRPr lang="en-US"/>
@@ -1805,7 +1858,7 @@
           <a:p>
             <a:fld id="{234B908D-E45B-45B1-8B65-74B3E032BC00}" type="slidenum">
               <a:rPr lang="en-US" smtClean="0"/>
-              <a:t>‹N°›</a:t>
+              <a:t>‹#›</a:t>
             </a:fld>
             <a:endParaRPr lang="en-US"/>
           </a:p>
@@ -1903,7 +1956,7 @@
           <a:p>
             <a:fld id="{234B908D-E45B-45B1-8B65-74B3E032BC00}" type="slidenum">
               <a:rPr lang="en-US" smtClean="0"/>
-              <a:t>‹N°›</a:t>
+              <a:t>‹#›</a:t>
             </a:fld>
             <a:endParaRPr lang="en-US"/>
           </a:p>
@@ -1967,7 +2020,7 @@
           </a:lstStyle>
           <a:p>
             <a:r>
-              <a:rPr lang="fr-FR" smtClean="0"/>
+              <a:rPr lang="fr-FR"/>
               <a:t>Modifiez le style du titre</a:t>
             </a:r>
             <a:endParaRPr lang="en-US"/>
@@ -2024,35 +2077,35 @@
           <a:p>
             <a:pPr lvl="0"/>
             <a:r>
-              <a:rPr lang="fr-FR" smtClean="0"/>
+              <a:rPr lang="fr-FR"/>
               <a:t>Modifier les styles du texte du masque</a:t>
             </a:r>
           </a:p>
           <a:p>
             <a:pPr lvl="1"/>
             <a:r>
-              <a:rPr lang="fr-FR" smtClean="0"/>
+              <a:rPr lang="fr-FR"/>
               <a:t>Deuxième niveau</a:t>
             </a:r>
           </a:p>
           <a:p>
             <a:pPr lvl="2"/>
             <a:r>
-              <a:rPr lang="fr-FR" smtClean="0"/>
+              <a:rPr lang="fr-FR"/>
               <a:t>Troisième niveau</a:t>
             </a:r>
           </a:p>
           <a:p>
             <a:pPr lvl="3"/>
             <a:r>
-              <a:rPr lang="fr-FR" smtClean="0"/>
+              <a:rPr lang="fr-FR"/>
               <a:t>Quatrième niveau</a:t>
             </a:r>
           </a:p>
           <a:p>
             <a:pPr lvl="4"/>
             <a:r>
-              <a:rPr lang="fr-FR" smtClean="0"/>
+              <a:rPr lang="fr-FR"/>
               <a:t>Cinquième niveau</a:t>
             </a:r>
             <a:endParaRPr lang="en-US"/>
@@ -2118,7 +2171,7 @@
           <a:p>
             <a:pPr lvl="0"/>
             <a:r>
-              <a:rPr lang="fr-FR" smtClean="0"/>
+              <a:rPr lang="fr-FR"/>
               <a:t>Modifier les styles du texte du masque</a:t>
             </a:r>
           </a:p>
@@ -2183,7 +2236,7 @@
           <a:p>
             <a:fld id="{234B908D-E45B-45B1-8B65-74B3E032BC00}" type="slidenum">
               <a:rPr lang="en-US" smtClean="0"/>
-              <a:t>‹N°›</a:t>
+              <a:t>‹#›</a:t>
             </a:fld>
             <a:endParaRPr lang="en-US"/>
           </a:p>
@@ -2247,7 +2300,7 @@
           </a:lstStyle>
           <a:p>
             <a:r>
-              <a:rPr lang="fr-FR" smtClean="0"/>
+              <a:rPr lang="fr-FR"/>
               <a:t>Modifiez le style du titre</a:t>
             </a:r>
             <a:endParaRPr lang="en-US"/>
@@ -2374,7 +2427,7 @@
           <a:p>
             <a:pPr lvl="0"/>
             <a:r>
-              <a:rPr lang="fr-FR" smtClean="0"/>
+              <a:rPr lang="fr-FR"/>
               <a:t>Modifier les styles du texte du masque</a:t>
             </a:r>
           </a:p>
@@ -2439,7 +2492,7 @@
           <a:p>
             <a:fld id="{234B908D-E45B-45B1-8B65-74B3E032BC00}" type="slidenum">
               <a:rPr lang="en-US" smtClean="0"/>
-              <a:t>‹N°›</a:t>
+              <a:t>‹#›</a:t>
             </a:fld>
             <a:endParaRPr lang="en-US"/>
           </a:p>
@@ -2509,7 +2562,7 @@
           <a:lstStyle/>
           <a:p>
             <a:r>
-              <a:rPr lang="fr-FR" smtClean="0"/>
+              <a:rPr lang="fr-FR"/>
               <a:t>Modifiez le style du titre</a:t>
             </a:r>
             <a:endParaRPr lang="en-US"/>
@@ -2543,35 +2596,35 @@
           <a:p>
             <a:pPr lvl="0"/>
             <a:r>
-              <a:rPr lang="fr-FR" smtClean="0"/>
+              <a:rPr lang="fr-FR"/>
               <a:t>Modifier les styles du texte du masque</a:t>
             </a:r>
           </a:p>
           <a:p>
             <a:pPr lvl="1"/>
             <a:r>
-              <a:rPr lang="fr-FR" smtClean="0"/>
+              <a:rPr lang="fr-FR"/>
               <a:t>Deuxième niveau</a:t>
             </a:r>
           </a:p>
           <a:p>
             <a:pPr lvl="2"/>
             <a:r>
-              <a:rPr lang="fr-FR" smtClean="0"/>
+              <a:rPr lang="fr-FR"/>
               <a:t>Troisième niveau</a:t>
             </a:r>
           </a:p>
           <a:p>
             <a:pPr lvl="3"/>
             <a:r>
-              <a:rPr lang="fr-FR" smtClean="0"/>
+              <a:rPr lang="fr-FR"/>
               <a:t>Quatrième niveau</a:t>
             </a:r>
           </a:p>
           <a:p>
             <a:pPr lvl="4"/>
             <a:r>
-              <a:rPr lang="fr-FR" smtClean="0"/>
+              <a:rPr lang="fr-FR"/>
               <a:t>Cinquième niveau</a:t>
             </a:r>
             <a:endParaRPr lang="en-US"/>
@@ -2691,7 +2744,7 @@
           <a:p>
             <a:fld id="{234B908D-E45B-45B1-8B65-74B3E032BC00}" type="slidenum">
               <a:rPr lang="en-US" smtClean="0"/>
-              <a:t>‹N°›</a:t>
+              <a:t>‹#›</a:t>
             </a:fld>
             <a:endParaRPr lang="en-US"/>
           </a:p>
@@ -3043,26 +3096,16 @@
           <a:p>
             <a:pPr algn="l"/>
             <a:r>
-              <a:rPr lang="fr-CH" spc="600" dirty="0" smtClean="0">
+              <a:rPr lang="fr-CH" spc="600">
                 <a:solidFill>
                   <a:schemeClr val="bg2">
                     <a:lumMod val="25000"/>
                   </a:schemeClr>
                 </a:solidFill>
               </a:rPr>
-              <a:t>Design </a:t>
-            </a:r>
-            <a:r>
-              <a:rPr lang="fr-CH" spc="600" dirty="0" smtClean="0">
-                <a:solidFill>
-                  <a:schemeClr val="bg2">
-                    <a:lumMod val="25000"/>
-                  </a:schemeClr>
-                </a:solidFill>
-              </a:rPr>
-              <a:t>électronique</a:t>
-            </a:r>
-            <a:endParaRPr lang="en-US" spc="600" dirty="0">
+              <a:t>Design électronique</a:t>
+            </a:r>
+            <a:endParaRPr lang="en-US" spc="600">
               <a:solidFill>
                 <a:schemeClr val="bg2">
                   <a:lumMod val="25000"/>
@@ -3095,7 +3138,7 @@
           <a:lstStyle/>
           <a:p>
             <a:pPr algn="l"/>
-            <a:endParaRPr lang="fr-CH" sz="1800" spc="600" dirty="0" smtClean="0">
+            <a:endParaRPr lang="fr-CH" sz="1800" spc="600">
               <a:solidFill>
                 <a:schemeClr val="bg2">
                   <a:lumMod val="25000"/>
@@ -3106,7 +3149,7 @@
           <a:p>
             <a:pPr algn="l"/>
             <a:r>
-              <a:rPr lang="fr-CH" sz="1800" spc="600" dirty="0" smtClean="0">
+              <a:rPr lang="fr-CH" sz="1800" spc="600">
                 <a:solidFill>
                   <a:schemeClr val="bg2">
                     <a:lumMod val="25000"/>
@@ -3116,7 +3159,7 @@
               <a:t>1</a:t>
             </a:r>
             <a:r>
-              <a:rPr lang="fr-CH" sz="1800" spc="600" baseline="30000" dirty="0" smtClean="0">
+              <a:rPr lang="fr-CH" sz="1800" spc="600" baseline="30000">
                 <a:solidFill>
                   <a:schemeClr val="bg2">
                     <a:lumMod val="25000"/>
@@ -3126,7 +3169,7 @@
               <a:t>er</a:t>
             </a:r>
             <a:r>
-              <a:rPr lang="fr-CH" sz="1800" spc="600" dirty="0" smtClean="0">
+              <a:rPr lang="fr-CH" sz="1800" spc="600">
                 <a:solidFill>
                   <a:schemeClr val="bg2">
                     <a:lumMod val="25000"/>
@@ -3139,7 +3182,7 @@
           <a:p>
             <a:pPr algn="l"/>
             <a:r>
-              <a:rPr lang="fr-CH" sz="1800" spc="600" dirty="0" smtClean="0">
+              <a:rPr lang="fr-CH" sz="1800" spc="600">
                 <a:solidFill>
                   <a:schemeClr val="bg2">
                     <a:lumMod val="25000"/>
@@ -3148,7 +3191,7 @@
               </a:rPr>
               <a:t>Meven Ricchieri</a:t>
             </a:r>
-            <a:endParaRPr lang="en-US" sz="1800" spc="600" dirty="0">
+            <a:endParaRPr lang="en-US" sz="1800" spc="600">
               <a:solidFill>
                 <a:schemeClr val="bg2">
                   <a:lumMod val="25000"/>
@@ -3202,7 +3245,7 @@
           <a:lstStyle/>
           <a:p>
             <a:pPr algn="ctr"/>
-            <a:endParaRPr lang="en-US" dirty="0"/>
+            <a:endParaRPr lang="en-US"/>
           </a:p>
         </p:txBody>
       </p:sp>
@@ -3250,7 +3293,7 @@
           <a:lstStyle/>
           <a:p>
             <a:pPr algn="ctr"/>
-            <a:endParaRPr lang="en-US" dirty="0"/>
+            <a:endParaRPr lang="en-US"/>
           </a:p>
         </p:txBody>
       </p:sp>
@@ -3306,7 +3349,7 @@
           <a:lstStyle/>
           <a:p>
             <a:r>
-              <a:rPr lang="fr-CH" spc="600" dirty="0">
+              <a:rPr lang="fr-CH" spc="600">
                 <a:solidFill>
                   <a:schemeClr val="bg2">
                     <a:lumMod val="25000"/>
@@ -3340,7 +3383,7 @@
           <a:lstStyle/>
           <a:p>
             <a:r>
-              <a:rPr lang="fr-CH" spc="600" dirty="0">
+              <a:rPr lang="fr-CH" spc="600">
                 <a:solidFill>
                   <a:schemeClr val="bg2">
                     <a:lumMod val="25000"/>
@@ -3349,7 +3392,7 @@
               </a:rPr>
               <a:t>Présentation</a:t>
             </a:r>
-            <a:endParaRPr lang="en-US" dirty="0"/>
+            <a:endParaRPr lang="en-US"/>
           </a:p>
         </p:txBody>
       </p:sp>
@@ -3366,13 +3409,6 @@
   <p:transition spd="slow">
     <p:push/>
   </p:transition>
-  <p:timing>
-    <p:tnLst>
-      <p:par>
-        <p:cTn id="1" dur="indefinite" restart="never" nodeType="tmRoot"/>
-      </p:par>
-    </p:tnLst>
-  </p:timing>
 </p:sld>
 </file>
 
@@ -3409,7 +3445,7 @@
           <a:lstStyle/>
           <a:p>
             <a:r>
-              <a:rPr lang="fr-CH" dirty="0" smtClean="0">
+              <a:rPr lang="fr-CH">
                 <a:solidFill>
                   <a:schemeClr val="bg2">
                     <a:lumMod val="25000"/>
@@ -3418,13 +3454,6 @@
               </a:rPr>
               <a:t>Centrale inertielle</a:t>
             </a:r>
-            <a:endParaRPr lang="fr-CH" dirty="0">
-              <a:solidFill>
-                <a:schemeClr val="bg2">
-                  <a:lumMod val="25000"/>
-                </a:schemeClr>
-              </a:solidFill>
-            </a:endParaRPr>
           </a:p>
         </p:txBody>
       </p:sp>
@@ -3711,7 +3740,7 @@
           </a:lstStyle>
           <a:p>
             <a:r>
-              <a:rPr lang="fr-CH" dirty="0" smtClean="0">
+              <a:rPr lang="fr-CH">
                 <a:solidFill>
                   <a:schemeClr val="bg2">
                     <a:lumMod val="25000"/>
@@ -3724,7 +3753,7 @@
           <a:p>
             <a:pPr lvl="1"/>
             <a:r>
-              <a:rPr lang="fr-CH" dirty="0" smtClean="0">
+              <a:rPr lang="fr-CH">
                 <a:solidFill>
                   <a:schemeClr val="bg2">
                     <a:lumMod val="25000"/>
@@ -3737,7 +3766,7 @@
           <a:p>
             <a:pPr lvl="2"/>
             <a:r>
-              <a:rPr lang="fr-CH" dirty="0" smtClean="0">
+              <a:rPr lang="fr-CH">
                 <a:solidFill>
                   <a:schemeClr val="bg2">
                     <a:lumMod val="25000"/>
@@ -3750,7 +3779,7 @@
           <a:p>
             <a:pPr lvl="2"/>
             <a:r>
-              <a:rPr lang="fr-CH" dirty="0" smtClean="0">
+              <a:rPr lang="fr-CH">
                 <a:solidFill>
                   <a:schemeClr val="bg2">
                     <a:lumMod val="25000"/>
@@ -3762,7 +3791,7 @@
           </a:p>
           <a:p>
             <a:pPr lvl="2"/>
-            <a:endParaRPr lang="fr-CH" dirty="0">
+            <a:endParaRPr lang="fr-CH">
               <a:solidFill>
                 <a:schemeClr val="bg2">
                   <a:lumMod val="25000"/>
@@ -3772,19 +3801,19 @@
           </a:p>
           <a:p>
             <a:pPr lvl="1"/>
-            <a:endParaRPr lang="fr-CH" dirty="0"/>
+            <a:endParaRPr lang="fr-CH"/>
           </a:p>
           <a:p>
             <a:pPr lvl="1"/>
-            <a:endParaRPr lang="fr-CH" dirty="0" smtClean="0"/>
+            <a:endParaRPr lang="fr-CH"/>
           </a:p>
           <a:p>
             <a:pPr lvl="1"/>
-            <a:endParaRPr lang="fr-CH" dirty="0" smtClean="0"/>
+            <a:endParaRPr lang="fr-CH"/>
           </a:p>
           <a:p>
             <a:pPr lvl="1"/>
-            <a:endParaRPr lang="en-US" dirty="0"/>
+            <a:endParaRPr lang="en-US"/>
           </a:p>
         </p:txBody>
       </p:sp>
@@ -3841,14 +3870,14 @@
           <a:lstStyle/>
           <a:p>
             <a:r>
-              <a:rPr lang="fr-CH" dirty="0" smtClean="0">
+              <a:rPr lang="fr-CH">
                 <a:solidFill>
                   <a:schemeClr val="bg1"/>
                 </a:solidFill>
               </a:rPr>
               <a:t>1 février 2023</a:t>
             </a:r>
-            <a:endParaRPr lang="en-US" dirty="0">
+            <a:endParaRPr lang="en-US">
               <a:solidFill>
                 <a:schemeClr val="bg1"/>
               </a:solidFill>
@@ -3879,14 +3908,14 @@
           <a:lstStyle/>
           <a:p>
             <a:r>
-              <a:rPr lang="fr-CH" dirty="0" smtClean="0">
+              <a:rPr lang="fr-CH">
                 <a:solidFill>
                   <a:schemeClr val="bg1"/>
                 </a:solidFill>
               </a:rPr>
               <a:t>Tube Pitot déporté</a:t>
             </a:r>
-            <a:endParaRPr lang="en-US" dirty="0">
+            <a:endParaRPr lang="en-US">
               <a:solidFill>
                 <a:schemeClr val="bg1"/>
               </a:solidFill>
@@ -3917,14 +3946,14 @@
           <a:lstStyle/>
           <a:p>
             <a:r>
-              <a:rPr lang="fr-CH" dirty="0" smtClean="0">
+              <a:rPr lang="fr-CH">
                 <a:solidFill>
                   <a:schemeClr val="bg1"/>
                 </a:solidFill>
               </a:rPr>
               <a:t>M.Ricchieri</a:t>
             </a:r>
-            <a:endParaRPr lang="en-US" dirty="0">
+            <a:endParaRPr lang="en-US">
               <a:solidFill>
                 <a:schemeClr val="bg1"/>
               </a:solidFill>
@@ -4018,13 +4047,6 @@
   <p:transition spd="slow">
     <p:push/>
   </p:transition>
-  <p:timing>
-    <p:tnLst>
-      <p:par>
-        <p:cTn id="1" dur="indefinite" restart="never" nodeType="tmRoot"/>
-      </p:par>
-    </p:tnLst>
-  </p:timing>
 </p:sld>
 </file>
 
@@ -4061,7 +4083,7 @@
           <a:lstStyle/>
           <a:p>
             <a:r>
-              <a:rPr lang="fr-CH" dirty="0" smtClean="0">
+              <a:rPr lang="fr-CH">
                 <a:solidFill>
                   <a:schemeClr val="bg2">
                     <a:lumMod val="25000"/>
@@ -4070,13 +4092,6 @@
               </a:rPr>
               <a:t>Module Bluetooth</a:t>
             </a:r>
-            <a:endParaRPr lang="fr-CH" dirty="0">
-              <a:solidFill>
-                <a:schemeClr val="bg2">
-                  <a:lumMod val="25000"/>
-                </a:schemeClr>
-              </a:solidFill>
-            </a:endParaRPr>
           </a:p>
         </p:txBody>
       </p:sp>
@@ -4363,7 +4378,7 @@
           </a:lstStyle>
           <a:p>
             <a:r>
-              <a:rPr lang="fr-CH" dirty="0" smtClean="0">
+              <a:rPr lang="fr-CH">
                 <a:solidFill>
                   <a:schemeClr val="bg2">
                     <a:lumMod val="25000"/>
@@ -4376,7 +4391,7 @@
           <a:p>
             <a:pPr lvl="1"/>
             <a:r>
-              <a:rPr lang="fr-CH" dirty="0" smtClean="0">
+              <a:rPr lang="fr-CH">
                 <a:solidFill>
                   <a:schemeClr val="bg2">
                     <a:lumMod val="25000"/>
@@ -4389,7 +4404,7 @@
           <a:p>
             <a:pPr lvl="1"/>
             <a:r>
-              <a:rPr lang="fr-CH" dirty="0" smtClean="0">
+              <a:rPr lang="fr-CH">
                 <a:solidFill>
                   <a:schemeClr val="bg2">
                     <a:lumMod val="25000"/>
@@ -4402,7 +4417,7 @@
           <a:p>
             <a:pPr lvl="1"/>
             <a:r>
-              <a:rPr lang="fr-CH" dirty="0" smtClean="0">
+              <a:rPr lang="fr-CH">
                 <a:solidFill>
                   <a:schemeClr val="bg2">
                     <a:lumMod val="25000"/>
@@ -4412,7 +4427,7 @@
               <a:t>Débit LE: up to 7 </a:t>
             </a:r>
             <a:r>
-              <a:rPr lang="fr-CH" dirty="0" err="1" smtClean="0">
+              <a:rPr lang="fr-CH" err="1">
                 <a:solidFill>
                   <a:schemeClr val="bg2">
                     <a:lumMod val="25000"/>
@@ -4422,7 +4437,7 @@
               <a:t>kB</a:t>
             </a:r>
             <a:r>
-              <a:rPr lang="fr-CH" dirty="0" smtClean="0">
+              <a:rPr lang="fr-CH">
                 <a:solidFill>
                   <a:schemeClr val="bg2">
                     <a:lumMod val="25000"/>
@@ -4434,7 +4449,7 @@
           </a:p>
           <a:p>
             <a:pPr lvl="1"/>
-            <a:endParaRPr lang="fr-CH" dirty="0">
+            <a:endParaRPr lang="fr-CH">
               <a:solidFill>
                 <a:schemeClr val="bg2">
                   <a:lumMod val="25000"/>
@@ -4444,19 +4459,19 @@
           </a:p>
           <a:p>
             <a:pPr lvl="1"/>
-            <a:endParaRPr lang="fr-CH" dirty="0"/>
+            <a:endParaRPr lang="fr-CH"/>
           </a:p>
           <a:p>
             <a:pPr lvl="1"/>
-            <a:endParaRPr lang="fr-CH" dirty="0" smtClean="0"/>
+            <a:endParaRPr lang="fr-CH"/>
           </a:p>
           <a:p>
             <a:pPr lvl="1"/>
-            <a:endParaRPr lang="fr-CH" dirty="0" smtClean="0"/>
+            <a:endParaRPr lang="fr-CH"/>
           </a:p>
           <a:p>
             <a:pPr lvl="1"/>
-            <a:endParaRPr lang="en-US" dirty="0"/>
+            <a:endParaRPr lang="en-US"/>
           </a:p>
         </p:txBody>
       </p:sp>
@@ -4513,14 +4528,14 @@
           <a:lstStyle/>
           <a:p>
             <a:r>
-              <a:rPr lang="fr-CH" dirty="0" smtClean="0">
+              <a:rPr lang="fr-CH">
                 <a:solidFill>
                   <a:schemeClr val="bg1"/>
                 </a:solidFill>
               </a:rPr>
               <a:t>1 février 2023</a:t>
             </a:r>
-            <a:endParaRPr lang="en-US" dirty="0">
+            <a:endParaRPr lang="en-US">
               <a:solidFill>
                 <a:schemeClr val="bg1"/>
               </a:solidFill>
@@ -4551,14 +4566,14 @@
           <a:lstStyle/>
           <a:p>
             <a:r>
-              <a:rPr lang="fr-CH" dirty="0" smtClean="0">
+              <a:rPr lang="fr-CH">
                 <a:solidFill>
                   <a:schemeClr val="bg1"/>
                 </a:solidFill>
               </a:rPr>
               <a:t>Tube Pitot déporté</a:t>
             </a:r>
-            <a:endParaRPr lang="en-US" dirty="0">
+            <a:endParaRPr lang="en-US">
               <a:solidFill>
                 <a:schemeClr val="bg1"/>
               </a:solidFill>
@@ -4589,14 +4604,14 @@
           <a:lstStyle/>
           <a:p>
             <a:r>
-              <a:rPr lang="fr-CH" dirty="0" smtClean="0">
+              <a:rPr lang="fr-CH">
                 <a:solidFill>
                   <a:schemeClr val="bg1"/>
                 </a:solidFill>
               </a:rPr>
               <a:t>M.Ricchieri</a:t>
             </a:r>
-            <a:endParaRPr lang="en-US" dirty="0">
+            <a:endParaRPr lang="en-US">
               <a:solidFill>
                 <a:schemeClr val="bg1"/>
               </a:solidFill>
@@ -4675,13 +4690,6 @@
   <p:transition spd="slow">
     <p:push/>
   </p:transition>
-  <p:timing>
-    <p:tnLst>
-      <p:par>
-        <p:cTn id="1" dur="indefinite" restart="never" nodeType="tmRoot"/>
-      </p:par>
-    </p:tnLst>
-  </p:timing>
 </p:sld>
 </file>
 
@@ -4718,7 +4726,7 @@
           <a:lstStyle/>
           <a:p>
             <a:r>
-              <a:rPr lang="fr-CH" dirty="0" smtClean="0">
+              <a:rPr lang="fr-CH">
                 <a:solidFill>
                   <a:schemeClr val="bg2">
                     <a:lumMod val="25000"/>
@@ -4727,13 +4735,6 @@
               </a:rPr>
               <a:t>Microcontrôleur </a:t>
             </a:r>
-            <a:endParaRPr lang="fr-CH" dirty="0">
-              <a:solidFill>
-                <a:schemeClr val="bg2">
-                  <a:lumMod val="25000"/>
-                </a:schemeClr>
-              </a:solidFill>
-            </a:endParaRPr>
           </a:p>
         </p:txBody>
       </p:sp>
@@ -5020,38 +5021,18 @@
           </a:lstStyle>
           <a:p>
             <a:r>
-              <a:rPr lang="fr-CH" dirty="0" smtClean="0">
+              <a:rPr lang="fr-CH">
                 <a:solidFill>
                   <a:schemeClr val="bg2">
                     <a:lumMod val="25000"/>
                   </a:schemeClr>
                 </a:solidFill>
               </a:rPr>
-              <a:t>MCU </a:t>
-            </a:r>
-            <a:r>
-              <a:rPr lang="fr-CH" dirty="0">
-                <a:solidFill>
-                  <a:schemeClr val="bg2">
-                    <a:lumMod val="25000"/>
-                  </a:schemeClr>
-                </a:solidFill>
-              </a:rPr>
-              <a:t>: </a:t>
-            </a:r>
-            <a:r>
-              <a:rPr lang="fr-CH" dirty="0" smtClean="0">
-                <a:solidFill>
-                  <a:schemeClr val="bg2">
-                    <a:lumMod val="25000"/>
-                  </a:schemeClr>
-                </a:solidFill>
-              </a:rPr>
-              <a:t>PIC32MX130F064B-I/SS</a:t>
-            </a:r>
-          </a:p>
-          <a:p>
-            <a:endParaRPr lang="fr-CH" dirty="0">
+              <a:t>MCU : PIC32MX130F064B-I/SS</a:t>
+            </a:r>
+          </a:p>
+          <a:p>
+            <a:endParaRPr lang="fr-CH">
               <a:solidFill>
                 <a:schemeClr val="bg2">
                   <a:lumMod val="25000"/>
@@ -5061,19 +5042,19 @@
           </a:p>
           <a:p>
             <a:pPr lvl="1"/>
-            <a:endParaRPr lang="fr-CH" dirty="0"/>
+            <a:endParaRPr lang="fr-CH"/>
           </a:p>
           <a:p>
             <a:pPr lvl="1"/>
-            <a:endParaRPr lang="fr-CH" dirty="0" smtClean="0"/>
+            <a:endParaRPr lang="fr-CH"/>
           </a:p>
           <a:p>
             <a:pPr lvl="1"/>
-            <a:endParaRPr lang="fr-CH" dirty="0" smtClean="0"/>
+            <a:endParaRPr lang="fr-CH"/>
           </a:p>
           <a:p>
             <a:pPr lvl="1"/>
-            <a:endParaRPr lang="en-US" dirty="0"/>
+            <a:endParaRPr lang="en-US"/>
           </a:p>
         </p:txBody>
       </p:sp>
@@ -5130,14 +5111,14 @@
           <a:lstStyle/>
           <a:p>
             <a:r>
-              <a:rPr lang="fr-CH" dirty="0" smtClean="0">
+              <a:rPr lang="fr-CH">
                 <a:solidFill>
                   <a:schemeClr val="bg1"/>
                 </a:solidFill>
               </a:rPr>
               <a:t>1 février 2023</a:t>
             </a:r>
-            <a:endParaRPr lang="en-US" dirty="0">
+            <a:endParaRPr lang="en-US">
               <a:solidFill>
                 <a:schemeClr val="bg1"/>
               </a:solidFill>
@@ -5168,14 +5149,14 @@
           <a:lstStyle/>
           <a:p>
             <a:r>
-              <a:rPr lang="fr-CH" dirty="0" smtClean="0">
+              <a:rPr lang="fr-CH">
                 <a:solidFill>
                   <a:schemeClr val="bg1"/>
                 </a:solidFill>
               </a:rPr>
               <a:t>Tube Pitot déporté</a:t>
             </a:r>
-            <a:endParaRPr lang="en-US" dirty="0">
+            <a:endParaRPr lang="en-US">
               <a:solidFill>
                 <a:schemeClr val="bg1"/>
               </a:solidFill>
@@ -5206,14 +5187,14 @@
           <a:lstStyle/>
           <a:p>
             <a:r>
-              <a:rPr lang="fr-CH" dirty="0" smtClean="0">
+              <a:rPr lang="fr-CH">
                 <a:solidFill>
                   <a:schemeClr val="bg1"/>
                 </a:solidFill>
               </a:rPr>
               <a:t>M.Ricchieri</a:t>
             </a:r>
-            <a:endParaRPr lang="en-US" dirty="0">
+            <a:endParaRPr lang="en-US">
               <a:solidFill>
                 <a:schemeClr val="bg1"/>
               </a:solidFill>
@@ -5288,13 +5269,6 @@
   <p:transition spd="slow">
     <p:push/>
   </p:transition>
-  <p:timing>
-    <p:tnLst>
-      <p:par>
-        <p:cTn id="1" dur="indefinite" restart="never" nodeType="tmRoot"/>
-      </p:par>
-    </p:tnLst>
-  </p:timing>
 </p:sld>
 </file>
 
@@ -5331,7 +5305,7 @@
           <a:lstStyle/>
           <a:p>
             <a:r>
-              <a:rPr lang="fr-CH" dirty="0" smtClean="0">
+              <a:rPr lang="fr-CH">
                 <a:solidFill>
                   <a:schemeClr val="bg2">
                     <a:lumMod val="25000"/>
@@ -5340,13 +5314,6 @@
               </a:rPr>
               <a:t>Microcontrôleur </a:t>
             </a:r>
-            <a:endParaRPr lang="fr-CH" dirty="0">
-              <a:solidFill>
-                <a:schemeClr val="bg2">
-                  <a:lumMod val="25000"/>
-                </a:schemeClr>
-              </a:solidFill>
-            </a:endParaRPr>
           </a:p>
         </p:txBody>
       </p:sp>
@@ -5633,7 +5600,7 @@
           </a:lstStyle>
           <a:p>
             <a:r>
-              <a:rPr lang="fr-CH" dirty="0">
+              <a:rPr lang="fr-CH">
                 <a:solidFill>
                   <a:schemeClr val="bg2">
                     <a:lumMod val="25000"/>
@@ -5644,7 +5611,7 @@
             </a:r>
           </a:p>
           <a:p>
-            <a:endParaRPr lang="fr-CH" dirty="0">
+            <a:endParaRPr lang="fr-CH">
               <a:solidFill>
                 <a:schemeClr val="bg2">
                   <a:lumMod val="25000"/>
@@ -5654,19 +5621,19 @@
           </a:p>
           <a:p>
             <a:pPr lvl="1"/>
-            <a:endParaRPr lang="fr-CH" dirty="0"/>
+            <a:endParaRPr lang="fr-CH"/>
           </a:p>
           <a:p>
             <a:pPr lvl="1"/>
-            <a:endParaRPr lang="fr-CH" dirty="0" smtClean="0"/>
+            <a:endParaRPr lang="fr-CH"/>
           </a:p>
           <a:p>
             <a:pPr lvl="1"/>
-            <a:endParaRPr lang="fr-CH" dirty="0" smtClean="0"/>
+            <a:endParaRPr lang="fr-CH"/>
           </a:p>
           <a:p>
             <a:pPr lvl="1"/>
-            <a:endParaRPr lang="en-US" dirty="0"/>
+            <a:endParaRPr lang="en-US"/>
           </a:p>
         </p:txBody>
       </p:sp>
@@ -5723,14 +5690,14 @@
           <a:lstStyle/>
           <a:p>
             <a:r>
-              <a:rPr lang="fr-CH" dirty="0" smtClean="0">
+              <a:rPr lang="fr-CH">
                 <a:solidFill>
                   <a:schemeClr val="bg1"/>
                 </a:solidFill>
               </a:rPr>
               <a:t>1 février 2023</a:t>
             </a:r>
-            <a:endParaRPr lang="en-US" dirty="0">
+            <a:endParaRPr lang="en-US">
               <a:solidFill>
                 <a:schemeClr val="bg1"/>
               </a:solidFill>
@@ -5761,14 +5728,14 @@
           <a:lstStyle/>
           <a:p>
             <a:r>
-              <a:rPr lang="fr-CH" dirty="0" smtClean="0">
+              <a:rPr lang="fr-CH">
                 <a:solidFill>
                   <a:schemeClr val="bg1"/>
                 </a:solidFill>
               </a:rPr>
               <a:t>Tube Pitot déporté</a:t>
             </a:r>
-            <a:endParaRPr lang="en-US" dirty="0">
+            <a:endParaRPr lang="en-US">
               <a:solidFill>
                 <a:schemeClr val="bg1"/>
               </a:solidFill>
@@ -5799,14 +5766,14 @@
           <a:lstStyle/>
           <a:p>
             <a:r>
-              <a:rPr lang="fr-CH" dirty="0" smtClean="0">
+              <a:rPr lang="fr-CH">
                 <a:solidFill>
                   <a:schemeClr val="bg1"/>
                 </a:solidFill>
               </a:rPr>
               <a:t>M.Ricchieri</a:t>
             </a:r>
-            <a:endParaRPr lang="en-US" dirty="0">
+            <a:endParaRPr lang="en-US">
               <a:solidFill>
                 <a:schemeClr val="bg1"/>
               </a:solidFill>
@@ -5856,13 +5823,6 @@
   <p:transition spd="slow">
     <p:push/>
   </p:transition>
-  <p:timing>
-    <p:tnLst>
-      <p:par>
-        <p:cTn id="1" dur="indefinite" restart="never" nodeType="tmRoot"/>
-      </p:par>
-    </p:tnLst>
-  </p:timing>
 </p:sld>
 </file>
 
@@ -5899,7 +5859,7 @@
           <a:lstStyle/>
           <a:p>
             <a:r>
-              <a:rPr lang="fr-CH" dirty="0" smtClean="0">
+              <a:rPr lang="fr-CH">
                 <a:solidFill>
                   <a:schemeClr val="bg2">
                     <a:lumMod val="25000"/>
@@ -5908,13 +5868,6 @@
               </a:rPr>
               <a:t>Microcontrôleur </a:t>
             </a:r>
-            <a:endParaRPr lang="fr-CH" dirty="0">
-              <a:solidFill>
-                <a:schemeClr val="bg2">
-                  <a:lumMod val="25000"/>
-                </a:schemeClr>
-              </a:solidFill>
-            </a:endParaRPr>
           </a:p>
         </p:txBody>
       </p:sp>
@@ -6206,7 +6159,7 @@
               </a:spcBef>
             </a:pPr>
             <a:r>
-              <a:rPr lang="fr-CH" dirty="0" smtClean="0">
+              <a:rPr lang="fr-CH">
                 <a:solidFill>
                   <a:schemeClr val="bg2">
                     <a:lumMod val="25000"/>
@@ -6223,28 +6176,18 @@
               </a:spcBef>
             </a:pPr>
             <a:r>
-              <a:rPr lang="fr-CH" dirty="0" smtClean="0">
+              <a:rPr lang="fr-CH">
                 <a:solidFill>
                   <a:schemeClr val="bg2">
                     <a:lumMod val="25000"/>
                   </a:schemeClr>
                 </a:solidFill>
               </a:rPr>
-              <a:t>Fréquence </a:t>
-            </a:r>
-            <a:r>
-              <a:rPr lang="fr-CH" dirty="0">
-                <a:solidFill>
-                  <a:schemeClr val="bg2">
-                    <a:lumMod val="25000"/>
-                  </a:schemeClr>
-                </a:solidFill>
-              </a:rPr>
-              <a:t>: 14’7456MHz</a:t>
-            </a:r>
-          </a:p>
-          <a:p>
-            <a:endParaRPr lang="fr-CH" dirty="0">
+              <a:t>Fréquence : 14’7456MHz</a:t>
+            </a:r>
+          </a:p>
+          <a:p>
+            <a:endParaRPr lang="fr-CH">
               <a:solidFill>
                 <a:schemeClr val="bg2">
                   <a:lumMod val="25000"/>
@@ -6254,19 +6197,19 @@
           </a:p>
           <a:p>
             <a:pPr lvl="1"/>
-            <a:endParaRPr lang="fr-CH" dirty="0"/>
+            <a:endParaRPr lang="fr-CH"/>
           </a:p>
           <a:p>
             <a:pPr lvl="1"/>
-            <a:endParaRPr lang="fr-CH" dirty="0" smtClean="0"/>
+            <a:endParaRPr lang="fr-CH"/>
           </a:p>
           <a:p>
             <a:pPr lvl="1"/>
-            <a:endParaRPr lang="fr-CH" dirty="0" smtClean="0"/>
+            <a:endParaRPr lang="fr-CH"/>
           </a:p>
           <a:p>
             <a:pPr lvl="1"/>
-            <a:endParaRPr lang="en-US" dirty="0"/>
+            <a:endParaRPr lang="en-US"/>
           </a:p>
         </p:txBody>
       </p:sp>
@@ -6323,14 +6266,14 @@
           <a:lstStyle/>
           <a:p>
             <a:r>
-              <a:rPr lang="fr-CH" dirty="0" smtClean="0">
+              <a:rPr lang="fr-CH">
                 <a:solidFill>
                   <a:schemeClr val="bg1"/>
                 </a:solidFill>
               </a:rPr>
               <a:t>1 février 2023</a:t>
             </a:r>
-            <a:endParaRPr lang="en-US" dirty="0">
+            <a:endParaRPr lang="en-US">
               <a:solidFill>
                 <a:schemeClr val="bg1"/>
               </a:solidFill>
@@ -6361,14 +6304,14 @@
           <a:lstStyle/>
           <a:p>
             <a:r>
-              <a:rPr lang="fr-CH" dirty="0" smtClean="0">
+              <a:rPr lang="fr-CH">
                 <a:solidFill>
                   <a:schemeClr val="bg1"/>
                 </a:solidFill>
               </a:rPr>
               <a:t>Tube Pitot déporté</a:t>
             </a:r>
-            <a:endParaRPr lang="en-US" dirty="0">
+            <a:endParaRPr lang="en-US">
               <a:solidFill>
                 <a:schemeClr val="bg1"/>
               </a:solidFill>
@@ -6399,14 +6342,14 @@
           <a:lstStyle/>
           <a:p>
             <a:r>
-              <a:rPr lang="fr-CH" dirty="0" smtClean="0">
+              <a:rPr lang="fr-CH">
                 <a:solidFill>
                   <a:schemeClr val="bg1"/>
                 </a:solidFill>
               </a:rPr>
               <a:t>M.Ricchieri</a:t>
             </a:r>
-            <a:endParaRPr lang="en-US" dirty="0">
+            <a:endParaRPr lang="en-US">
               <a:solidFill>
                 <a:schemeClr val="bg1"/>
               </a:solidFill>
@@ -6688,7 +6631,7 @@
               </a:spcBef>
             </a:pPr>
             <a:r>
-              <a:rPr lang="fr-CH" dirty="0" smtClean="0">
+              <a:rPr lang="fr-CH">
                 <a:solidFill>
                   <a:schemeClr val="bg2">
                     <a:lumMod val="25000"/>
@@ -6697,29 +6640,22 @@
               </a:rPr>
               <a:t>Circuit de reset et de programmation</a:t>
             </a:r>
-            <a:endParaRPr lang="fr-CH" dirty="0">
-              <a:solidFill>
-                <a:schemeClr val="bg2">
-                  <a:lumMod val="25000"/>
-                </a:schemeClr>
-              </a:solidFill>
-            </a:endParaRPr>
           </a:p>
           <a:p>
             <a:pPr lvl="1"/>
-            <a:endParaRPr lang="fr-CH" dirty="0"/>
+            <a:endParaRPr lang="fr-CH"/>
           </a:p>
           <a:p>
             <a:pPr lvl="1"/>
-            <a:endParaRPr lang="fr-CH" dirty="0" smtClean="0"/>
+            <a:endParaRPr lang="fr-CH"/>
           </a:p>
           <a:p>
             <a:pPr lvl="1"/>
-            <a:endParaRPr lang="fr-CH" dirty="0" smtClean="0"/>
+            <a:endParaRPr lang="fr-CH"/>
           </a:p>
           <a:p>
             <a:pPr lvl="1"/>
-            <a:endParaRPr lang="en-US" dirty="0"/>
+            <a:endParaRPr lang="en-US"/>
           </a:p>
         </p:txBody>
       </p:sp>
@@ -6736,13 +6672,6 @@
   <p:transition spd="slow">
     <p:push/>
   </p:transition>
-  <p:timing>
-    <p:tnLst>
-      <p:par>
-        <p:cTn id="1" dur="indefinite" restart="never" nodeType="tmRoot"/>
-      </p:par>
-    </p:tnLst>
-  </p:timing>
 </p:sld>
 </file>
 
@@ -6779,7 +6708,7 @@
           <a:lstStyle/>
           <a:p>
             <a:r>
-              <a:rPr lang="fr-CH" dirty="0" smtClean="0">
+              <a:rPr lang="fr-CH">
                 <a:solidFill>
                   <a:schemeClr val="bg2">
                     <a:lumMod val="25000"/>
@@ -6788,13 +6717,6 @@
               </a:rPr>
               <a:t>Autres blocs simples</a:t>
             </a:r>
-            <a:endParaRPr lang="fr-CH" dirty="0">
-              <a:solidFill>
-                <a:schemeClr val="bg2">
-                  <a:lumMod val="25000"/>
-                </a:schemeClr>
-              </a:solidFill>
-            </a:endParaRPr>
           </a:p>
         </p:txBody>
       </p:sp>
@@ -7086,7 +7008,7 @@
               </a:spcBef>
             </a:pPr>
             <a:r>
-              <a:rPr lang="fr-CH" dirty="0" smtClean="0">
+              <a:rPr lang="fr-CH">
                 <a:solidFill>
                   <a:schemeClr val="bg2">
                     <a:lumMod val="25000"/>
@@ -7095,7 +7017,9 @@
               </a:rPr>
               <a:t>Connecteur USB-C</a:t>
             </a:r>
-            <a:endParaRPr lang="fr-CH" dirty="0">
+          </a:p>
+          <a:p>
+            <a:endParaRPr lang="fr-CH">
               <a:solidFill>
                 <a:schemeClr val="bg2">
                   <a:lumMod val="25000"/>
@@ -7104,29 +7028,20 @@
             </a:endParaRPr>
           </a:p>
           <a:p>
-            <a:endParaRPr lang="fr-CH" dirty="0">
-              <a:solidFill>
-                <a:schemeClr val="bg2">
-                  <a:lumMod val="25000"/>
-                </a:schemeClr>
-              </a:solidFill>
-            </a:endParaRPr>
-          </a:p>
-          <a:p>
             <a:pPr lvl="1"/>
-            <a:endParaRPr lang="fr-CH" dirty="0"/>
+            <a:endParaRPr lang="fr-CH"/>
           </a:p>
           <a:p>
             <a:pPr lvl="1"/>
-            <a:endParaRPr lang="fr-CH" dirty="0" smtClean="0"/>
+            <a:endParaRPr lang="fr-CH"/>
           </a:p>
           <a:p>
             <a:pPr lvl="1"/>
-            <a:endParaRPr lang="fr-CH" dirty="0" smtClean="0"/>
+            <a:endParaRPr lang="fr-CH"/>
           </a:p>
           <a:p>
             <a:pPr lvl="1"/>
-            <a:endParaRPr lang="en-US" dirty="0"/>
+            <a:endParaRPr lang="en-US"/>
           </a:p>
         </p:txBody>
       </p:sp>
@@ -7183,14 +7098,14 @@
           <a:lstStyle/>
           <a:p>
             <a:r>
-              <a:rPr lang="fr-CH" dirty="0" smtClean="0">
+              <a:rPr lang="fr-CH">
                 <a:solidFill>
                   <a:schemeClr val="bg1"/>
                 </a:solidFill>
               </a:rPr>
               <a:t>1 février 2023</a:t>
             </a:r>
-            <a:endParaRPr lang="en-US" dirty="0">
+            <a:endParaRPr lang="en-US">
               <a:solidFill>
                 <a:schemeClr val="bg1"/>
               </a:solidFill>
@@ -7221,14 +7136,14 @@
           <a:lstStyle/>
           <a:p>
             <a:r>
-              <a:rPr lang="fr-CH" dirty="0" smtClean="0">
+              <a:rPr lang="fr-CH">
                 <a:solidFill>
                   <a:schemeClr val="bg1"/>
                 </a:solidFill>
               </a:rPr>
               <a:t>Tube Pitot déporté</a:t>
             </a:r>
-            <a:endParaRPr lang="en-US" dirty="0">
+            <a:endParaRPr lang="en-US">
               <a:solidFill>
                 <a:schemeClr val="bg1"/>
               </a:solidFill>
@@ -7259,14 +7174,14 @@
           <a:lstStyle/>
           <a:p>
             <a:r>
-              <a:rPr lang="fr-CH" dirty="0" smtClean="0">
+              <a:rPr lang="fr-CH">
                 <a:solidFill>
                   <a:schemeClr val="bg1"/>
                 </a:solidFill>
               </a:rPr>
               <a:t>M.Ricchieri</a:t>
             </a:r>
-            <a:endParaRPr lang="en-US" dirty="0">
+            <a:endParaRPr lang="en-US">
               <a:solidFill>
                 <a:schemeClr val="bg1"/>
               </a:solidFill>
@@ -7466,7 +7381,7 @@
               </a:spcBef>
             </a:pPr>
             <a:r>
-              <a:rPr lang="fr-CH" dirty="0" smtClean="0">
+              <a:rPr lang="fr-CH">
                 <a:solidFill>
                   <a:schemeClr val="bg2">
                     <a:lumMod val="25000"/>
@@ -7482,7 +7397,7 @@
                 <a:spcPts val="1000"/>
               </a:spcBef>
             </a:pPr>
-            <a:endParaRPr lang="fr-CH" dirty="0" smtClean="0">
+            <a:endParaRPr lang="fr-CH">
               <a:solidFill>
                 <a:schemeClr val="bg2">
                   <a:lumMod val="25000"/>
@@ -7496,7 +7411,7 @@
                 <a:spcPts val="1000"/>
               </a:spcBef>
             </a:pPr>
-            <a:endParaRPr lang="fr-CH" dirty="0">
+            <a:endParaRPr lang="fr-CH">
               <a:solidFill>
                 <a:schemeClr val="bg2">
                   <a:lumMod val="25000"/>
@@ -7510,7 +7425,7 @@
                 <a:spcPts val="1000"/>
               </a:spcBef>
             </a:pPr>
-            <a:endParaRPr lang="fr-CH" dirty="0" smtClean="0">
+            <a:endParaRPr lang="fr-CH">
               <a:solidFill>
                 <a:schemeClr val="bg2">
                   <a:lumMod val="25000"/>
@@ -7524,7 +7439,7 @@
                 <a:spcPts val="1000"/>
               </a:spcBef>
             </a:pPr>
-            <a:endParaRPr lang="fr-CH" dirty="0">
+            <a:endParaRPr lang="fr-CH">
               <a:solidFill>
                 <a:schemeClr val="bg2">
                   <a:lumMod val="25000"/>
@@ -7538,7 +7453,7 @@
                 <a:spcPts val="1000"/>
               </a:spcBef>
             </a:pPr>
-            <a:endParaRPr lang="fr-CH" dirty="0">
+            <a:endParaRPr lang="fr-CH">
               <a:solidFill>
                 <a:schemeClr val="bg2">
                   <a:lumMod val="25000"/>
@@ -7552,7 +7467,7 @@
                 <a:spcPts val="1000"/>
               </a:spcBef>
             </a:pPr>
-            <a:endParaRPr lang="fr-CH" dirty="0">
+            <a:endParaRPr lang="fr-CH">
               <a:solidFill>
                 <a:schemeClr val="bg2">
                   <a:lumMod val="25000"/>
@@ -7561,7 +7476,7 @@
             </a:endParaRPr>
           </a:p>
           <a:p>
-            <a:endParaRPr lang="fr-CH" dirty="0">
+            <a:endParaRPr lang="fr-CH">
               <a:solidFill>
                 <a:schemeClr val="bg2">
                   <a:lumMod val="25000"/>
@@ -7571,19 +7486,19 @@
           </a:p>
           <a:p>
             <a:pPr lvl="1"/>
-            <a:endParaRPr lang="fr-CH" dirty="0"/>
+            <a:endParaRPr lang="fr-CH"/>
           </a:p>
           <a:p>
             <a:pPr lvl="1"/>
-            <a:endParaRPr lang="fr-CH" dirty="0" smtClean="0"/>
+            <a:endParaRPr lang="fr-CH"/>
           </a:p>
           <a:p>
             <a:pPr lvl="1"/>
-            <a:endParaRPr lang="fr-CH" dirty="0" smtClean="0"/>
+            <a:endParaRPr lang="fr-CH"/>
           </a:p>
           <a:p>
             <a:pPr lvl="1"/>
-            <a:endParaRPr lang="en-US" dirty="0"/>
+            <a:endParaRPr lang="en-US"/>
           </a:p>
         </p:txBody>
       </p:sp>
@@ -7866,7 +7781,7 @@
               </a:spcBef>
             </a:pPr>
             <a:r>
-              <a:rPr lang="fr-CH" dirty="0" smtClean="0">
+              <a:rPr lang="fr-CH">
                 <a:solidFill>
                   <a:schemeClr val="bg2">
                     <a:lumMod val="25000"/>
@@ -7882,7 +7797,7 @@
                 <a:spcPts val="1000"/>
               </a:spcBef>
             </a:pPr>
-            <a:endParaRPr lang="fr-CH" dirty="0" smtClean="0">
+            <a:endParaRPr lang="fr-CH">
               <a:solidFill>
                 <a:schemeClr val="bg2">
                   <a:lumMod val="25000"/>
@@ -7896,7 +7811,7 @@
                 <a:spcPts val="1000"/>
               </a:spcBef>
             </a:pPr>
-            <a:endParaRPr lang="fr-CH" dirty="0">
+            <a:endParaRPr lang="fr-CH">
               <a:solidFill>
                 <a:schemeClr val="bg2">
                   <a:lumMod val="25000"/>
@@ -7910,7 +7825,7 @@
                 <a:spcPts val="1000"/>
               </a:spcBef>
             </a:pPr>
-            <a:endParaRPr lang="fr-CH" dirty="0" smtClean="0">
+            <a:endParaRPr lang="fr-CH">
               <a:solidFill>
                 <a:schemeClr val="bg2">
                   <a:lumMod val="25000"/>
@@ -7924,7 +7839,7 @@
                 <a:spcPts val="1000"/>
               </a:spcBef>
             </a:pPr>
-            <a:endParaRPr lang="fr-CH" dirty="0">
+            <a:endParaRPr lang="fr-CH">
               <a:solidFill>
                 <a:schemeClr val="bg2">
                   <a:lumMod val="25000"/>
@@ -7938,7 +7853,7 @@
                 <a:spcPts val="1000"/>
               </a:spcBef>
             </a:pPr>
-            <a:endParaRPr lang="fr-CH" dirty="0">
+            <a:endParaRPr lang="fr-CH">
               <a:solidFill>
                 <a:schemeClr val="bg2">
                   <a:lumMod val="25000"/>
@@ -7952,7 +7867,7 @@
                 <a:spcPts val="1000"/>
               </a:spcBef>
             </a:pPr>
-            <a:endParaRPr lang="fr-CH" dirty="0">
+            <a:endParaRPr lang="fr-CH">
               <a:solidFill>
                 <a:schemeClr val="bg2">
                   <a:lumMod val="25000"/>
@@ -7961,7 +7876,7 @@
             </a:endParaRPr>
           </a:p>
           <a:p>
-            <a:endParaRPr lang="fr-CH" dirty="0">
+            <a:endParaRPr lang="fr-CH">
               <a:solidFill>
                 <a:schemeClr val="bg2">
                   <a:lumMod val="25000"/>
@@ -7971,19 +7886,19 @@
           </a:p>
           <a:p>
             <a:pPr lvl="1"/>
-            <a:endParaRPr lang="fr-CH" dirty="0"/>
+            <a:endParaRPr lang="fr-CH"/>
           </a:p>
           <a:p>
             <a:pPr lvl="1"/>
-            <a:endParaRPr lang="fr-CH" dirty="0" smtClean="0"/>
+            <a:endParaRPr lang="fr-CH"/>
           </a:p>
           <a:p>
             <a:pPr lvl="1"/>
-            <a:endParaRPr lang="fr-CH" dirty="0" smtClean="0"/>
+            <a:endParaRPr lang="fr-CH"/>
           </a:p>
           <a:p>
             <a:pPr lvl="1"/>
-            <a:endParaRPr lang="en-US" dirty="0"/>
+            <a:endParaRPr lang="en-US"/>
           </a:p>
         </p:txBody>
       </p:sp>
@@ -8000,13 +7915,6 @@
   <p:transition spd="slow">
     <p:push/>
   </p:transition>
-  <p:timing>
-    <p:tnLst>
-      <p:par>
-        <p:cTn id="1" dur="indefinite" restart="never" nodeType="tmRoot"/>
-      </p:par>
-    </p:tnLst>
-  </p:timing>
 </p:sld>
 </file>
 
@@ -8043,7 +7951,7 @@
           <a:lstStyle/>
           <a:p>
             <a:r>
-              <a:rPr lang="fr-CH" dirty="0" smtClean="0">
+              <a:rPr lang="fr-CH">
                 <a:solidFill>
                   <a:schemeClr val="bg2">
                     <a:lumMod val="25000"/>
@@ -8052,13 +7960,6 @@
               </a:rPr>
               <a:t>Conclusion</a:t>
             </a:r>
-            <a:endParaRPr lang="fr-CH" dirty="0">
-              <a:solidFill>
-                <a:schemeClr val="bg2">
-                  <a:lumMod val="25000"/>
-                </a:schemeClr>
-              </a:solidFill>
-            </a:endParaRPr>
           </a:p>
         </p:txBody>
       </p:sp>
@@ -8345,7 +8246,7 @@
           </a:lstStyle>
           <a:p>
             <a:r>
-              <a:rPr lang="fr-CH" dirty="0" smtClean="0">
+              <a:rPr lang="fr-CH">
                 <a:solidFill>
                   <a:schemeClr val="bg2">
                     <a:lumMod val="25000"/>
@@ -8358,7 +8259,7 @@
           <a:p>
             <a:pPr lvl="1"/>
             <a:r>
-              <a:rPr lang="fr-CH" dirty="0" smtClean="0">
+              <a:rPr lang="fr-CH">
                 <a:solidFill>
                   <a:schemeClr val="bg2">
                     <a:lumMod val="25000"/>
@@ -8371,7 +8272,7 @@
           <a:p>
             <a:pPr lvl="1"/>
             <a:r>
-              <a:rPr lang="fr-CH" dirty="0" smtClean="0">
+              <a:rPr lang="fr-CH">
                 <a:solidFill>
                   <a:schemeClr val="bg2">
                     <a:lumMod val="25000"/>
@@ -8384,7 +8285,7 @@
           <a:p>
             <a:pPr lvl="1"/>
             <a:r>
-              <a:rPr lang="fr-CH" dirty="0" smtClean="0">
+              <a:rPr lang="fr-CH">
                 <a:solidFill>
                   <a:schemeClr val="bg2">
                     <a:lumMod val="25000"/>
@@ -8393,7 +8294,9 @@
               </a:rPr>
               <a:t>Design mécanique</a:t>
             </a:r>
-            <a:endParaRPr lang="fr-CH" dirty="0">
+          </a:p>
+          <a:p>
+            <a:endParaRPr lang="fr-CH">
               <a:solidFill>
                 <a:schemeClr val="bg2">
                   <a:lumMod val="25000"/>
@@ -8402,29 +8305,20 @@
             </a:endParaRPr>
           </a:p>
           <a:p>
-            <a:endParaRPr lang="fr-CH" dirty="0">
-              <a:solidFill>
-                <a:schemeClr val="bg2">
-                  <a:lumMod val="25000"/>
-                </a:schemeClr>
-              </a:solidFill>
-            </a:endParaRPr>
-          </a:p>
-          <a:p>
             <a:pPr lvl="1"/>
-            <a:endParaRPr lang="fr-CH" dirty="0"/>
+            <a:endParaRPr lang="fr-CH"/>
           </a:p>
           <a:p>
             <a:pPr lvl="1"/>
-            <a:endParaRPr lang="fr-CH" dirty="0" smtClean="0"/>
+            <a:endParaRPr lang="fr-CH"/>
           </a:p>
           <a:p>
             <a:pPr lvl="1"/>
-            <a:endParaRPr lang="fr-CH" dirty="0" smtClean="0"/>
+            <a:endParaRPr lang="fr-CH"/>
           </a:p>
           <a:p>
             <a:pPr lvl="1"/>
-            <a:endParaRPr lang="en-US" dirty="0"/>
+            <a:endParaRPr lang="en-US"/>
           </a:p>
         </p:txBody>
       </p:sp>
@@ -8481,14 +8375,14 @@
           <a:lstStyle/>
           <a:p>
             <a:r>
-              <a:rPr lang="fr-CH" dirty="0" smtClean="0">
+              <a:rPr lang="fr-CH">
                 <a:solidFill>
                   <a:schemeClr val="bg1"/>
                 </a:solidFill>
               </a:rPr>
               <a:t>1 février 2023</a:t>
             </a:r>
-            <a:endParaRPr lang="en-US" dirty="0">
+            <a:endParaRPr lang="en-US">
               <a:solidFill>
                 <a:schemeClr val="bg1"/>
               </a:solidFill>
@@ -8519,14 +8413,14 @@
           <a:lstStyle/>
           <a:p>
             <a:r>
-              <a:rPr lang="fr-CH" dirty="0" smtClean="0">
+              <a:rPr lang="fr-CH">
                 <a:solidFill>
                   <a:schemeClr val="bg1"/>
                 </a:solidFill>
               </a:rPr>
               <a:t>Tube Pitot déporté</a:t>
             </a:r>
-            <a:endParaRPr lang="en-US" dirty="0">
+            <a:endParaRPr lang="en-US">
               <a:solidFill>
                 <a:schemeClr val="bg1"/>
               </a:solidFill>
@@ -8557,14 +8451,14 @@
           <a:lstStyle/>
           <a:p>
             <a:r>
-              <a:rPr lang="fr-CH" dirty="0" smtClean="0">
+              <a:rPr lang="fr-CH">
                 <a:solidFill>
                   <a:schemeClr val="bg1"/>
                 </a:solidFill>
               </a:rPr>
               <a:t>M.Ricchieri</a:t>
             </a:r>
-            <a:endParaRPr lang="en-US" dirty="0">
+            <a:endParaRPr lang="en-US">
               <a:solidFill>
                 <a:schemeClr val="bg1"/>
               </a:solidFill>
@@ -8585,13 +8479,6 @@
   <p:transition spd="slow">
     <p:push/>
   </p:transition>
-  <p:timing>
-    <p:tnLst>
-      <p:par>
-        <p:cTn id="1" dur="indefinite" restart="never" nodeType="tmRoot"/>
-      </p:par>
-    </p:tnLst>
-  </p:timing>
 </p:sld>
 </file>
 
@@ -8634,7 +8521,7 @@
           <a:p>
             <a:pPr algn="ctr"/>
             <a:r>
-              <a:rPr lang="fr-CH" spc="600" dirty="0" smtClean="0">
+              <a:rPr lang="fr-CH" spc="600">
                 <a:solidFill>
                   <a:schemeClr val="bg2">
                     <a:lumMod val="25000"/>
@@ -8643,13 +8530,6 @@
               </a:rPr>
               <a:t>Questions</a:t>
             </a:r>
-            <a:endParaRPr lang="fr-CH" spc="600" dirty="0">
-              <a:solidFill>
-                <a:schemeClr val="bg2">
-                  <a:lumMod val="25000"/>
-                </a:schemeClr>
-              </a:solidFill>
-            </a:endParaRPr>
           </a:p>
         </p:txBody>
       </p:sp>
@@ -8935,7 +8815,7 @@
             </a:lvl9pPr>
           </a:lstStyle>
           <a:p>
-            <a:endParaRPr lang="fr-CH" dirty="0">
+            <a:endParaRPr lang="fr-CH">
               <a:solidFill>
                 <a:schemeClr val="bg2">
                   <a:lumMod val="25000"/>
@@ -8945,19 +8825,19 @@
           </a:p>
           <a:p>
             <a:pPr lvl="1"/>
-            <a:endParaRPr lang="fr-CH" dirty="0"/>
+            <a:endParaRPr lang="fr-CH"/>
           </a:p>
           <a:p>
             <a:pPr lvl="1"/>
-            <a:endParaRPr lang="fr-CH" dirty="0" smtClean="0"/>
+            <a:endParaRPr lang="fr-CH"/>
           </a:p>
           <a:p>
             <a:pPr lvl="1"/>
-            <a:endParaRPr lang="fr-CH" dirty="0" smtClean="0"/>
+            <a:endParaRPr lang="fr-CH"/>
           </a:p>
           <a:p>
             <a:pPr lvl="1"/>
-            <a:endParaRPr lang="en-US" dirty="0"/>
+            <a:endParaRPr lang="en-US"/>
           </a:p>
         </p:txBody>
       </p:sp>
@@ -9014,14 +8894,14 @@
           <a:lstStyle/>
           <a:p>
             <a:r>
-              <a:rPr lang="fr-CH" dirty="0" smtClean="0">
+              <a:rPr lang="fr-CH">
                 <a:solidFill>
                   <a:schemeClr val="bg1"/>
                 </a:solidFill>
               </a:rPr>
               <a:t>1 février 2023</a:t>
             </a:r>
-            <a:endParaRPr lang="en-US" dirty="0">
+            <a:endParaRPr lang="en-US">
               <a:solidFill>
                 <a:schemeClr val="bg1"/>
               </a:solidFill>
@@ -9052,14 +8932,14 @@
           <a:lstStyle/>
           <a:p>
             <a:r>
-              <a:rPr lang="fr-CH" dirty="0" smtClean="0">
+              <a:rPr lang="fr-CH">
                 <a:solidFill>
                   <a:schemeClr val="bg1"/>
                 </a:solidFill>
               </a:rPr>
               <a:t>Tube Pitot déporté</a:t>
             </a:r>
-            <a:endParaRPr lang="en-US" dirty="0">
+            <a:endParaRPr lang="en-US">
               <a:solidFill>
                 <a:schemeClr val="bg1"/>
               </a:solidFill>
@@ -9090,14 +8970,14 @@
           <a:lstStyle/>
           <a:p>
             <a:r>
-              <a:rPr lang="fr-CH" dirty="0" smtClean="0">
+              <a:rPr lang="fr-CH">
                 <a:solidFill>
                   <a:schemeClr val="bg1"/>
                 </a:solidFill>
               </a:rPr>
               <a:t>M.Ricchieri</a:t>
             </a:r>
-            <a:endParaRPr lang="en-US" dirty="0">
+            <a:endParaRPr lang="en-US">
               <a:solidFill>
                 <a:schemeClr val="bg1"/>
               </a:solidFill>
@@ -9118,13 +8998,6 @@
   <p:transition spd="slow">
     <p:push/>
   </p:transition>
-  <p:timing>
-    <p:tnLst>
-      <p:par>
-        <p:cTn id="1" dur="indefinite" restart="never" nodeType="tmRoot"/>
-      </p:par>
-    </p:tnLst>
-  </p:timing>
 </p:sld>
 </file>
 
@@ -9161,7 +9034,7 @@
           <a:lstStyle/>
           <a:p>
             <a:r>
-              <a:rPr lang="fr-CH" dirty="0" smtClean="0">
+              <a:rPr lang="fr-CH">
                 <a:solidFill>
                   <a:schemeClr val="bg2">
                     <a:lumMod val="25000"/>
@@ -9170,7 +9043,7 @@
               </a:rPr>
               <a:t>Table des matières</a:t>
             </a:r>
-            <a:endParaRPr lang="en-US" dirty="0">
+            <a:endParaRPr lang="en-US">
               <a:solidFill>
                 <a:schemeClr val="bg2">
                   <a:lumMod val="25000"/>
@@ -9196,7 +9069,7 @@
           <a:lstStyle/>
           <a:p>
             <a:r>
-              <a:rPr lang="fr-CH" dirty="0" smtClean="0">
+              <a:rPr lang="fr-CH">
                 <a:solidFill>
                   <a:schemeClr val="bg2">
                     <a:lumMod val="25000"/>
@@ -9208,57 +9081,40 @@
           </a:p>
           <a:p>
             <a:r>
-              <a:rPr lang="fr-CH" dirty="0" smtClean="0">
+              <a:rPr lang="fr-CH">
                 <a:solidFill>
                   <a:schemeClr val="bg2">
                     <a:lumMod val="25000"/>
                   </a:schemeClr>
                 </a:solidFill>
               </a:rPr>
-              <a:t>Présentation des </a:t>
-            </a:r>
-            <a:r>
-              <a:rPr lang="fr-CH" dirty="0" smtClean="0">
+              <a:t>Présentation des composants</a:t>
+            </a:r>
+          </a:p>
+          <a:p>
+            <a:r>
+              <a:rPr lang="fr-CH">
                 <a:solidFill>
                   <a:schemeClr val="bg2">
                     <a:lumMod val="25000"/>
                   </a:schemeClr>
                 </a:solidFill>
               </a:rPr>
-              <a:t>composants</a:t>
-            </a:r>
-          </a:p>
-          <a:p>
-            <a:r>
-              <a:rPr lang="fr-CH" dirty="0" smtClean="0">
+              <a:t>Conclusion</a:t>
+            </a:r>
+          </a:p>
+          <a:p>
+            <a:r>
+              <a:rPr lang="fr-CH">
                 <a:solidFill>
                   <a:schemeClr val="bg2">
                     <a:lumMod val="25000"/>
                   </a:schemeClr>
                 </a:solidFill>
               </a:rPr>
-              <a:t>Conclusion</a:t>
-            </a:r>
-            <a:endParaRPr lang="fr-CH" dirty="0" smtClean="0">
-              <a:solidFill>
-                <a:schemeClr val="bg2">
-                  <a:lumMod val="25000"/>
-                </a:schemeClr>
-              </a:solidFill>
-            </a:endParaRPr>
-          </a:p>
-          <a:p>
-            <a:r>
-              <a:rPr lang="fr-CH" dirty="0" smtClean="0">
-                <a:solidFill>
-                  <a:schemeClr val="bg2">
-                    <a:lumMod val="25000"/>
-                  </a:schemeClr>
-                </a:solidFill>
-              </a:rPr>
               <a:t>Questions</a:t>
             </a:r>
-            <a:endParaRPr lang="en-US" dirty="0">
+            <a:endParaRPr lang="en-US">
               <a:solidFill>
                 <a:schemeClr val="bg2">
                   <a:lumMod val="25000"/>
@@ -9312,7 +9168,7 @@
           <a:lstStyle/>
           <a:p>
             <a:pPr algn="ctr"/>
-            <a:endParaRPr lang="en-US" dirty="0"/>
+            <a:endParaRPr lang="en-US"/>
           </a:p>
         </p:txBody>
       </p:sp>
@@ -9360,7 +9216,7 @@
           <a:lstStyle/>
           <a:p>
             <a:pPr algn="ctr"/>
-            <a:endParaRPr lang="en-US" dirty="0"/>
+            <a:endParaRPr lang="en-US"/>
           </a:p>
         </p:txBody>
       </p:sp>
@@ -9417,14 +9273,14 @@
           <a:lstStyle/>
           <a:p>
             <a:r>
-              <a:rPr lang="fr-CH" dirty="0" smtClean="0">
+              <a:rPr lang="fr-CH">
                 <a:solidFill>
                   <a:schemeClr val="bg1"/>
                 </a:solidFill>
               </a:rPr>
               <a:t>1 février 2023</a:t>
             </a:r>
-            <a:endParaRPr lang="en-US" dirty="0">
+            <a:endParaRPr lang="en-US">
               <a:solidFill>
                 <a:schemeClr val="bg1"/>
               </a:solidFill>
@@ -9455,14 +9311,14 @@
           <a:lstStyle/>
           <a:p>
             <a:r>
-              <a:rPr lang="fr-CH" dirty="0" smtClean="0">
+              <a:rPr lang="fr-CH">
                 <a:solidFill>
                   <a:schemeClr val="bg1"/>
                 </a:solidFill>
               </a:rPr>
               <a:t>Tube Pitot déporté</a:t>
             </a:r>
-            <a:endParaRPr lang="en-US" dirty="0">
+            <a:endParaRPr lang="en-US">
               <a:solidFill>
                 <a:schemeClr val="bg1"/>
               </a:solidFill>
@@ -9493,14 +9349,14 @@
           <a:lstStyle/>
           <a:p>
             <a:r>
-              <a:rPr lang="fr-CH" dirty="0" smtClean="0">
+              <a:rPr lang="fr-CH">
                 <a:solidFill>
                   <a:schemeClr val="bg1"/>
                 </a:solidFill>
               </a:rPr>
               <a:t>M.Ricchieri</a:t>
             </a:r>
-            <a:endParaRPr lang="en-US" dirty="0">
+            <a:endParaRPr lang="en-US">
               <a:solidFill>
                 <a:schemeClr val="bg1"/>
               </a:solidFill>
@@ -9521,13 +9377,6 @@
   <p:transition spd="slow">
     <p:push/>
   </p:transition>
-  <p:timing>
-    <p:tnLst>
-      <p:par>
-        <p:cTn id="1" dur="indefinite" restart="never" nodeType="tmRoot"/>
-      </p:par>
-    </p:tnLst>
-  </p:timing>
 </p:sld>
 </file>
 
@@ -9564,7 +9413,7 @@
           <a:lstStyle/>
           <a:p>
             <a:r>
-              <a:rPr lang="fr-CH" dirty="0" smtClean="0">
+              <a:rPr lang="fr-CH">
                 <a:solidFill>
                   <a:schemeClr val="bg2">
                     <a:lumMod val="25000"/>
@@ -9573,7 +9422,7 @@
               </a:rPr>
               <a:t>Introduction</a:t>
             </a:r>
-            <a:endParaRPr lang="en-US" dirty="0">
+            <a:endParaRPr lang="en-US">
               <a:solidFill>
                 <a:schemeClr val="bg2">
                   <a:lumMod val="25000"/>
@@ -9604,7 +9453,7 @@
           <a:lstStyle/>
           <a:p>
             <a:r>
-              <a:rPr lang="fr-CH" dirty="0" smtClean="0">
+              <a:rPr lang="fr-CH">
                 <a:solidFill>
                   <a:schemeClr val="bg2">
                     <a:lumMod val="25000"/>
@@ -9617,7 +9466,7 @@
           <a:p>
             <a:pPr lvl="1"/>
             <a:r>
-              <a:rPr lang="fr-CH" dirty="0" smtClean="0">
+              <a:rPr lang="fr-CH">
                 <a:solidFill>
                   <a:schemeClr val="bg2">
                     <a:lumMod val="25000"/>
@@ -9630,26 +9479,16 @@
           <a:p>
             <a:pPr lvl="1"/>
             <a:r>
-              <a:rPr lang="fr-CH" dirty="0" smtClean="0">
+              <a:rPr lang="fr-CH">
                 <a:solidFill>
                   <a:schemeClr val="bg2">
                     <a:lumMod val="25000"/>
                   </a:schemeClr>
                 </a:solidFill>
               </a:rPr>
-              <a:t>Régulation de </a:t>
-            </a:r>
-            <a:r>
-              <a:rPr lang="fr-CH" dirty="0" smtClean="0">
-                <a:solidFill>
-                  <a:schemeClr val="bg2">
-                    <a:lumMod val="25000"/>
-                  </a:schemeClr>
-                </a:solidFill>
-              </a:rPr>
-              <a:t>tension</a:t>
-            </a:r>
-            <a:endParaRPr lang="en-US" dirty="0">
+              <a:t>Régulation de tension</a:t>
+            </a:r>
+            <a:endParaRPr lang="en-US">
               <a:solidFill>
                 <a:schemeClr val="bg2">
                   <a:lumMod val="25000"/>
@@ -9808,14 +9647,14 @@
           <a:lstStyle/>
           <a:p>
             <a:r>
-              <a:rPr lang="fr-CH" dirty="0" smtClean="0">
+              <a:rPr lang="fr-CH">
                 <a:solidFill>
                   <a:schemeClr val="bg1"/>
                 </a:solidFill>
               </a:rPr>
               <a:t>1 février 2023</a:t>
             </a:r>
-            <a:endParaRPr lang="en-US" dirty="0">
+            <a:endParaRPr lang="en-US">
               <a:solidFill>
                 <a:schemeClr val="bg1"/>
               </a:solidFill>
@@ -9846,14 +9685,14 @@
           <a:lstStyle/>
           <a:p>
             <a:r>
-              <a:rPr lang="fr-CH" dirty="0" smtClean="0">
+              <a:rPr lang="fr-CH">
                 <a:solidFill>
                   <a:schemeClr val="bg1"/>
                 </a:solidFill>
               </a:rPr>
               <a:t>Tube Pitot déporté</a:t>
             </a:r>
-            <a:endParaRPr lang="en-US" dirty="0">
+            <a:endParaRPr lang="en-US">
               <a:solidFill>
                 <a:schemeClr val="bg1"/>
               </a:solidFill>
@@ -9884,14 +9723,14 @@
           <a:lstStyle/>
           <a:p>
             <a:r>
-              <a:rPr lang="fr-CH" dirty="0" smtClean="0">
+              <a:rPr lang="fr-CH">
                 <a:solidFill>
                   <a:schemeClr val="bg1"/>
                 </a:solidFill>
               </a:rPr>
               <a:t>M.Ricchieri</a:t>
             </a:r>
-            <a:endParaRPr lang="en-US" dirty="0">
+            <a:endParaRPr lang="en-US">
               <a:solidFill>
                 <a:schemeClr val="bg1"/>
               </a:solidFill>
@@ -9941,13 +9780,6 @@
   <p:transition spd="slow">
     <p:push/>
   </p:transition>
-  <p:timing>
-    <p:tnLst>
-      <p:par>
-        <p:cTn id="1" dur="indefinite" restart="never" nodeType="tmRoot"/>
-      </p:par>
-    </p:tnLst>
-  </p:timing>
 </p:sld>
 </file>
 
@@ -9984,7 +9816,7 @@
           <a:lstStyle/>
           <a:p>
             <a:r>
-              <a:rPr lang="fr-CH" dirty="0" smtClean="0">
+              <a:rPr lang="fr-CH">
                 <a:solidFill>
                   <a:schemeClr val="bg2">
                     <a:lumMod val="25000"/>
@@ -9993,7 +9825,7 @@
               </a:rPr>
               <a:t>Générateur</a:t>
             </a:r>
-            <a:endParaRPr lang="en-US" dirty="0">
+            <a:endParaRPr lang="en-US">
               <a:solidFill>
                 <a:schemeClr val="bg2">
                   <a:lumMod val="25000"/>
@@ -10320,39 +10152,29 @@
           </a:lstStyle>
           <a:p>
             <a:r>
-              <a:rPr lang="fr-CH" dirty="0">
+              <a:rPr lang="fr-CH">
                 <a:solidFill>
                   <a:schemeClr val="bg2">
                     <a:lumMod val="25000"/>
                   </a:schemeClr>
                 </a:solidFill>
               </a:rPr>
-              <a:t>Moteur DC </a:t>
-            </a:r>
-            <a:r>
-              <a:rPr lang="fr-CH" dirty="0" smtClean="0">
+              <a:t>Moteur DC RF-370A-15370</a:t>
+            </a:r>
+          </a:p>
+          <a:p>
+            <a:pPr lvl="1"/>
+            <a:r>
+              <a:rPr lang="fr-CH">
                 <a:solidFill>
                   <a:schemeClr val="bg2">
                     <a:lumMod val="25000"/>
                   </a:schemeClr>
                 </a:solidFill>
               </a:rPr>
-              <a:t>RF-370A-15370</a:t>
-            </a:r>
-          </a:p>
-          <a:p>
-            <a:pPr lvl="1"/>
-            <a:r>
-              <a:rPr lang="fr-CH" dirty="0" smtClean="0">
-                <a:solidFill>
-                  <a:schemeClr val="bg2">
-                    <a:lumMod val="25000"/>
-                  </a:schemeClr>
-                </a:solidFill>
-              </a:rPr>
               <a:t>10,7ohm</a:t>
             </a:r>
-            <a:endParaRPr lang="en-US" dirty="0">
+            <a:endParaRPr lang="en-US">
               <a:solidFill>
                 <a:schemeClr val="bg2">
                   <a:lumMod val="25000"/>
@@ -10468,14 +10290,14 @@
           <a:lstStyle/>
           <a:p>
             <a:r>
-              <a:rPr lang="fr-CH" dirty="0" smtClean="0">
+              <a:rPr lang="fr-CH">
                 <a:solidFill>
                   <a:schemeClr val="bg1"/>
                 </a:solidFill>
               </a:rPr>
               <a:t>1 février 2023</a:t>
             </a:r>
-            <a:endParaRPr lang="en-US" dirty="0">
+            <a:endParaRPr lang="en-US">
               <a:solidFill>
                 <a:schemeClr val="bg1"/>
               </a:solidFill>
@@ -10506,14 +10328,14 @@
           <a:lstStyle/>
           <a:p>
             <a:r>
-              <a:rPr lang="fr-CH" dirty="0" smtClean="0">
+              <a:rPr lang="fr-CH">
                 <a:solidFill>
                   <a:schemeClr val="bg1"/>
                 </a:solidFill>
               </a:rPr>
               <a:t>Tube Pitot déporté</a:t>
             </a:r>
-            <a:endParaRPr lang="en-US" dirty="0">
+            <a:endParaRPr lang="en-US">
               <a:solidFill>
                 <a:schemeClr val="bg1"/>
               </a:solidFill>
@@ -10544,14 +10366,14 @@
           <a:lstStyle/>
           <a:p>
             <a:r>
-              <a:rPr lang="fr-CH" dirty="0" smtClean="0">
+              <a:rPr lang="fr-CH">
                 <a:solidFill>
                   <a:schemeClr val="bg1"/>
                 </a:solidFill>
               </a:rPr>
               <a:t>M.Ricchieri</a:t>
             </a:r>
-            <a:endParaRPr lang="en-US" dirty="0">
+            <a:endParaRPr lang="en-US">
               <a:solidFill>
                 <a:schemeClr val="bg1"/>
               </a:solidFill>
@@ -10596,13 +10418,6 @@
   <p:transition spd="slow">
     <p:push/>
   </p:transition>
-  <p:timing>
-    <p:tnLst>
-      <p:par>
-        <p:cTn id="1" dur="indefinite" restart="never" nodeType="tmRoot"/>
-      </p:par>
-    </p:tnLst>
-  </p:timing>
 </p:sld>
 </file>
 
@@ -10639,7 +10454,7 @@
           <a:lstStyle/>
           <a:p>
             <a:r>
-              <a:rPr lang="fr-CH" dirty="0" smtClean="0">
+              <a:rPr lang="fr-CH">
                 <a:solidFill>
                   <a:schemeClr val="bg2">
                     <a:lumMod val="25000"/>
@@ -10648,7 +10463,7 @@
               </a:rPr>
               <a:t>Générateur</a:t>
             </a:r>
-            <a:endParaRPr lang="en-US" dirty="0">
+            <a:endParaRPr lang="en-US">
               <a:solidFill>
                 <a:schemeClr val="bg2">
                   <a:lumMod val="25000"/>
@@ -10799,7 +10614,7 @@
           <a:lstStyle/>
           <a:p>
             <a:r>
-              <a:rPr lang="fr-CH" dirty="0" smtClean="0">
+              <a:rPr lang="fr-CH">
                 <a:solidFill>
                   <a:schemeClr val="bg2">
                     <a:lumMod val="25000"/>
@@ -10811,7 +10626,7 @@
           </a:p>
           <a:p>
             <a:r>
-              <a:rPr lang="fr-CH" dirty="0" smtClean="0">
+              <a:rPr lang="fr-CH">
                 <a:solidFill>
                   <a:schemeClr val="bg2">
                     <a:lumMod val="25000"/>
@@ -10820,7 +10635,7 @@
               </a:rPr>
               <a:t>Lecture de la tension</a:t>
             </a:r>
-            <a:endParaRPr lang="en-US" dirty="0">
+            <a:endParaRPr lang="en-US">
               <a:solidFill>
                 <a:schemeClr val="bg2">
                   <a:lumMod val="25000"/>
@@ -10913,14 +10728,14 @@
           <a:lstStyle/>
           <a:p>
             <a:r>
-              <a:rPr lang="fr-CH" dirty="0" smtClean="0">
+              <a:rPr lang="fr-CH">
                 <a:solidFill>
                   <a:schemeClr val="bg1"/>
                 </a:solidFill>
               </a:rPr>
               <a:t>1 février 2023</a:t>
             </a:r>
-            <a:endParaRPr lang="en-US" dirty="0">
+            <a:endParaRPr lang="en-US">
               <a:solidFill>
                 <a:schemeClr val="bg1"/>
               </a:solidFill>
@@ -10951,14 +10766,14 @@
           <a:lstStyle/>
           <a:p>
             <a:r>
-              <a:rPr lang="fr-CH" dirty="0" smtClean="0">
+              <a:rPr lang="fr-CH">
                 <a:solidFill>
                   <a:schemeClr val="bg1"/>
                 </a:solidFill>
               </a:rPr>
               <a:t>Tube Pitot déporté</a:t>
             </a:r>
-            <a:endParaRPr lang="en-US" dirty="0">
+            <a:endParaRPr lang="en-US">
               <a:solidFill>
                 <a:schemeClr val="bg1"/>
               </a:solidFill>
@@ -10989,14 +10804,14 @@
           <a:lstStyle/>
           <a:p>
             <a:r>
-              <a:rPr lang="fr-CH" dirty="0" smtClean="0">
+              <a:rPr lang="fr-CH">
                 <a:solidFill>
                   <a:schemeClr val="bg1"/>
                 </a:solidFill>
               </a:rPr>
               <a:t>M.Ricchieri</a:t>
             </a:r>
-            <a:endParaRPr lang="en-US" dirty="0">
+            <a:endParaRPr lang="en-US">
               <a:solidFill>
                 <a:schemeClr val="bg1"/>
               </a:solidFill>
@@ -11017,13 +10832,6 @@
   <p:transition spd="slow">
     <p:push/>
   </p:transition>
-  <p:timing>
-    <p:tnLst>
-      <p:par>
-        <p:cTn id="1" dur="indefinite" restart="never" nodeType="tmRoot"/>
-      </p:par>
-    </p:tnLst>
-  </p:timing>
 </p:sld>
 </file>
 
@@ -11060,7 +10868,7 @@
           <a:lstStyle/>
           <a:p>
             <a:r>
-              <a:rPr lang="fr-CH" dirty="0" smtClean="0">
+              <a:rPr lang="fr-CH">
                 <a:solidFill>
                   <a:schemeClr val="bg2">
                     <a:lumMod val="25000"/>
@@ -11069,7 +10877,7 @@
               </a:rPr>
               <a:t>Piles rechargeables</a:t>
             </a:r>
-            <a:endParaRPr lang="en-US" dirty="0">
+            <a:endParaRPr lang="en-US">
               <a:solidFill>
                 <a:schemeClr val="bg2">
                   <a:lumMod val="25000"/>
@@ -11417,7 +11225,7 @@
           </a:lstStyle>
           <a:p>
             <a:r>
-              <a:rPr lang="fr-CH" dirty="0" smtClean="0">
+              <a:rPr lang="fr-CH">
                 <a:solidFill>
                   <a:schemeClr val="bg2">
                     <a:lumMod val="25000"/>
@@ -11430,7 +11238,7 @@
           <a:p>
             <a:pPr lvl="1"/>
             <a:r>
-              <a:rPr lang="fr-CH" dirty="0" smtClean="0">
+              <a:rPr lang="fr-CH">
                 <a:solidFill>
                   <a:schemeClr val="bg2">
                     <a:lumMod val="25000"/>
@@ -11443,7 +11251,7 @@
           <a:p>
             <a:pPr lvl="1"/>
             <a:r>
-              <a:rPr lang="fr-CH" dirty="0" smtClean="0">
+              <a:rPr lang="fr-CH">
                 <a:solidFill>
                   <a:schemeClr val="bg2">
                     <a:lumMod val="25000"/>
@@ -11452,7 +11260,7 @@
               </a:rPr>
               <a:t>2700mAh </a:t>
             </a:r>
-            <a:endParaRPr lang="en-US" dirty="0">
+            <a:endParaRPr lang="en-US">
               <a:solidFill>
                 <a:schemeClr val="bg2">
                   <a:lumMod val="25000"/>
@@ -11515,14 +11323,14 @@
           <a:lstStyle/>
           <a:p>
             <a:r>
-              <a:rPr lang="fr-CH" dirty="0" smtClean="0">
+              <a:rPr lang="fr-CH">
                 <a:solidFill>
                   <a:schemeClr val="bg1"/>
                 </a:solidFill>
               </a:rPr>
               <a:t>1 février 2023</a:t>
             </a:r>
-            <a:endParaRPr lang="en-US" dirty="0">
+            <a:endParaRPr lang="en-US">
               <a:solidFill>
                 <a:schemeClr val="bg1"/>
               </a:solidFill>
@@ -11553,14 +11361,14 @@
           <a:lstStyle/>
           <a:p>
             <a:r>
-              <a:rPr lang="fr-CH" dirty="0" smtClean="0">
+              <a:rPr lang="fr-CH">
                 <a:solidFill>
                   <a:schemeClr val="bg1"/>
                 </a:solidFill>
               </a:rPr>
               <a:t>Tube Pitot déporté</a:t>
             </a:r>
-            <a:endParaRPr lang="en-US" dirty="0">
+            <a:endParaRPr lang="en-US">
               <a:solidFill>
                 <a:schemeClr val="bg1"/>
               </a:solidFill>
@@ -11591,14 +11399,14 @@
           <a:lstStyle/>
           <a:p>
             <a:r>
-              <a:rPr lang="fr-CH" dirty="0" smtClean="0">
+              <a:rPr lang="fr-CH">
                 <a:solidFill>
                   <a:schemeClr val="bg1"/>
                 </a:solidFill>
               </a:rPr>
               <a:t>M.Ricchieri</a:t>
             </a:r>
-            <a:endParaRPr lang="en-US" dirty="0">
+            <a:endParaRPr lang="en-US">
               <a:solidFill>
                 <a:schemeClr val="bg1"/>
               </a:solidFill>
@@ -11619,13 +11427,6 @@
   <p:transition spd="slow">
     <p:push/>
   </p:transition>
-  <p:timing>
-    <p:tnLst>
-      <p:par>
-        <p:cTn id="1" dur="indefinite" restart="never" nodeType="tmRoot"/>
-      </p:par>
-    </p:tnLst>
-  </p:timing>
 </p:sld>
 </file>
 
@@ -11662,7 +11463,7 @@
           <a:lstStyle/>
           <a:p>
             <a:r>
-              <a:rPr lang="fr-CH" dirty="0" smtClean="0">
+              <a:rPr lang="fr-CH">
                 <a:solidFill>
                   <a:schemeClr val="bg2">
                     <a:lumMod val="25000"/>
@@ -11671,7 +11472,7 @@
               </a:rPr>
               <a:t>Alimentations</a:t>
             </a:r>
-            <a:endParaRPr lang="en-US" dirty="0">
+            <a:endParaRPr lang="en-US">
               <a:solidFill>
                 <a:schemeClr val="bg2">
                   <a:lumMod val="25000"/>
@@ -11697,7 +11498,7 @@
           <a:lstStyle/>
           <a:p>
             <a:r>
-              <a:rPr lang="fr-CH" dirty="0" smtClean="0">
+              <a:rPr lang="fr-CH">
                 <a:solidFill>
                   <a:schemeClr val="bg2">
                     <a:lumMod val="25000"/>
@@ -11710,7 +11511,7 @@
           <a:p>
             <a:pPr lvl="1"/>
             <a:r>
-              <a:rPr lang="fr-CH" dirty="0" smtClean="0">
+              <a:rPr lang="fr-CH">
                 <a:solidFill>
                   <a:schemeClr val="bg2">
                     <a:lumMod val="25000"/>
@@ -11723,7 +11524,7 @@
           <a:p>
             <a:pPr lvl="1"/>
             <a:r>
-              <a:rPr lang="fr-CH" dirty="0" smtClean="0">
+              <a:rPr lang="fr-CH">
                 <a:solidFill>
                   <a:schemeClr val="bg2">
                     <a:lumMod val="25000"/>
@@ -11736,7 +11537,7 @@
           <a:p>
             <a:pPr lvl="1"/>
             <a:r>
-              <a:rPr lang="fr-CH" dirty="0" smtClean="0">
+              <a:rPr lang="fr-CH">
                 <a:solidFill>
                   <a:schemeClr val="bg2">
                     <a:lumMod val="25000"/>
@@ -11748,7 +11549,7 @@
           </a:p>
           <a:p>
             <a:pPr lvl="1"/>
-            <a:endParaRPr lang="en-US" dirty="0"/>
+            <a:endParaRPr lang="en-US"/>
           </a:p>
         </p:txBody>
       </p:sp>
@@ -11960,14 +11761,14 @@
           <a:lstStyle/>
           <a:p>
             <a:r>
-              <a:rPr lang="fr-CH" dirty="0" smtClean="0">
+              <a:rPr lang="fr-CH">
                 <a:solidFill>
                   <a:schemeClr val="bg1"/>
                 </a:solidFill>
               </a:rPr>
               <a:t>1 février 2023</a:t>
             </a:r>
-            <a:endParaRPr lang="en-US" dirty="0">
+            <a:endParaRPr lang="en-US">
               <a:solidFill>
                 <a:schemeClr val="bg1"/>
               </a:solidFill>
@@ -11998,14 +11799,14 @@
           <a:lstStyle/>
           <a:p>
             <a:r>
-              <a:rPr lang="fr-CH" dirty="0" smtClean="0">
+              <a:rPr lang="fr-CH">
                 <a:solidFill>
                   <a:schemeClr val="bg1"/>
                 </a:solidFill>
               </a:rPr>
               <a:t>Tube Pitot déporté</a:t>
             </a:r>
-            <a:endParaRPr lang="en-US" dirty="0">
+            <a:endParaRPr lang="en-US">
               <a:solidFill>
                 <a:schemeClr val="bg1"/>
               </a:solidFill>
@@ -12036,14 +11837,14 @@
           <a:lstStyle/>
           <a:p>
             <a:r>
-              <a:rPr lang="fr-CH" dirty="0" smtClean="0">
+              <a:rPr lang="fr-CH">
                 <a:solidFill>
                   <a:schemeClr val="bg1"/>
                 </a:solidFill>
               </a:rPr>
               <a:t>M.Ricchieri</a:t>
             </a:r>
-            <a:endParaRPr lang="en-US" dirty="0">
+            <a:endParaRPr lang="en-US">
               <a:solidFill>
                 <a:schemeClr val="bg1"/>
               </a:solidFill>
@@ -12064,13 +11865,6 @@
   <p:transition spd="slow">
     <p:push/>
   </p:transition>
-  <p:timing>
-    <p:tnLst>
-      <p:par>
-        <p:cTn id="1" dur="indefinite" restart="never" nodeType="tmRoot"/>
-      </p:par>
-    </p:tnLst>
-  </p:timing>
 </p:sld>
 </file>
 
@@ -12107,7 +11901,7 @@
           <a:lstStyle/>
           <a:p>
             <a:r>
-              <a:rPr lang="fr-CH" dirty="0" smtClean="0">
+              <a:rPr lang="fr-CH">
                 <a:solidFill>
                   <a:schemeClr val="bg2">
                     <a:lumMod val="25000"/>
@@ -12116,7 +11910,7 @@
               </a:rPr>
               <a:t>Alimentations</a:t>
             </a:r>
-            <a:endParaRPr lang="en-US" dirty="0">
+            <a:endParaRPr lang="en-US">
               <a:solidFill>
                 <a:schemeClr val="bg2">
                   <a:lumMod val="25000"/>
@@ -12142,7 +11936,7 @@
           <a:lstStyle/>
           <a:p>
             <a:r>
-              <a:rPr lang="fr-CH" dirty="0" smtClean="0">
+              <a:rPr lang="fr-CH">
                 <a:solidFill>
                   <a:schemeClr val="bg2">
                     <a:lumMod val="25000"/>
@@ -12155,7 +11949,7 @@
           <a:p>
             <a:pPr lvl="1"/>
             <a:r>
-              <a:rPr lang="fr-CH" dirty="0" smtClean="0">
+              <a:rPr lang="fr-CH">
                 <a:solidFill>
                   <a:schemeClr val="bg2">
                     <a:lumMod val="25000"/>
@@ -12168,7 +11962,7 @@
           <a:p>
             <a:pPr lvl="1"/>
             <a:r>
-              <a:rPr lang="fr-CH" dirty="0" smtClean="0">
+              <a:rPr lang="fr-CH">
                 <a:solidFill>
                   <a:schemeClr val="bg2">
                     <a:lumMod val="25000"/>
@@ -12181,7 +11975,7 @@
           <a:p>
             <a:pPr lvl="1"/>
             <a:r>
-              <a:rPr lang="fr-CH" dirty="0" smtClean="0">
+              <a:rPr lang="fr-CH">
                 <a:solidFill>
                   <a:schemeClr val="bg2">
                     <a:lumMod val="25000"/>
@@ -12190,7 +11984,7 @@
               </a:rPr>
               <a:t>VDO = 0.125V</a:t>
             </a:r>
-            <a:endParaRPr lang="en-US" dirty="0">
+            <a:endParaRPr lang="en-US">
               <a:solidFill>
                 <a:schemeClr val="bg2">
                   <a:lumMod val="25000"/>
@@ -12408,14 +12202,14 @@
           <a:lstStyle/>
           <a:p>
             <a:r>
-              <a:rPr lang="fr-CH" dirty="0" smtClean="0">
+              <a:rPr lang="fr-CH">
                 <a:solidFill>
                   <a:schemeClr val="bg1"/>
                 </a:solidFill>
               </a:rPr>
               <a:t>1 février 2023</a:t>
             </a:r>
-            <a:endParaRPr lang="en-US" dirty="0">
+            <a:endParaRPr lang="en-US">
               <a:solidFill>
                 <a:schemeClr val="bg1"/>
               </a:solidFill>
@@ -12446,14 +12240,14 @@
           <a:lstStyle/>
           <a:p>
             <a:r>
-              <a:rPr lang="fr-CH" dirty="0" smtClean="0">
+              <a:rPr lang="fr-CH">
                 <a:solidFill>
                   <a:schemeClr val="bg1"/>
                 </a:solidFill>
               </a:rPr>
               <a:t>Tube Pitot déporté</a:t>
             </a:r>
-            <a:endParaRPr lang="en-US" dirty="0">
+            <a:endParaRPr lang="en-US">
               <a:solidFill>
                 <a:schemeClr val="bg1"/>
               </a:solidFill>
@@ -12484,14 +12278,14 @@
           <a:lstStyle/>
           <a:p>
             <a:r>
-              <a:rPr lang="fr-CH" dirty="0" smtClean="0">
+              <a:rPr lang="fr-CH">
                 <a:solidFill>
                   <a:schemeClr val="bg1"/>
                 </a:solidFill>
               </a:rPr>
               <a:t>M.Ricchieri</a:t>
             </a:r>
-            <a:endParaRPr lang="en-US" dirty="0">
+            <a:endParaRPr lang="en-US">
               <a:solidFill>
                 <a:schemeClr val="bg1"/>
               </a:solidFill>
@@ -12512,13 +12306,6 @@
   <p:transition spd="slow">
     <p:push/>
   </p:transition>
-  <p:timing>
-    <p:tnLst>
-      <p:par>
-        <p:cTn id="1" dur="indefinite" restart="never" nodeType="tmRoot"/>
-      </p:par>
-    </p:tnLst>
-  </p:timing>
 </p:sld>
 </file>
 
@@ -12555,32 +12342,15 @@
           <a:lstStyle/>
           <a:p>
             <a:r>
-              <a:rPr lang="fr-CH" dirty="0" smtClean="0">
+              <a:rPr lang="fr-CH">
                 <a:solidFill>
                   <a:schemeClr val="bg2">
                     <a:lumMod val="25000"/>
                   </a:schemeClr>
                 </a:solidFill>
               </a:rPr>
-              <a:t>Capteur </a:t>
-            </a:r>
-            <a:r>
-              <a:rPr lang="fr-CH" dirty="0">
-                <a:solidFill>
-                  <a:schemeClr val="bg2">
-                    <a:lumMod val="25000"/>
-                  </a:schemeClr>
-                </a:solidFill>
-              </a:rPr>
-              <a:t>de pressions différentielles</a:t>
-            </a:r>
-            <a:endParaRPr lang="fr-CH" dirty="0">
-              <a:solidFill>
-                <a:schemeClr val="bg2">
-                  <a:lumMod val="25000"/>
-                </a:schemeClr>
-              </a:solidFill>
-            </a:endParaRPr>
+              <a:t>Capteur de pressions différentielles</a:t>
+            </a:r>
           </a:p>
         </p:txBody>
       </p:sp>
@@ -12702,7 +12472,7 @@
         </p:blipFill>
         <p:spPr>
           <a:xfrm>
-            <a:off x="6790664" y="1825625"/>
+            <a:off x="6857144" y="2061201"/>
             <a:ext cx="4239817" cy="2333971"/>
           </a:xfrm>
           <a:prstGeom prst="rect">
@@ -12902,170 +12672,137 @@
           </a:lstStyle>
           <a:p>
             <a:r>
-              <a:rPr lang="fr-CH" dirty="0">
+              <a:rPr lang="fr-CH">
                 <a:solidFill>
                   <a:schemeClr val="bg2">
                     <a:lumMod val="25000"/>
                   </a:schemeClr>
                 </a:solidFill>
               </a:rPr>
-              <a:t>Capteur </a:t>
-            </a:r>
-            <a:r>
-              <a:rPr lang="fr-CH" dirty="0" smtClean="0">
+              <a:t>Capteur HSCMRRN001PD2A3</a:t>
+            </a:r>
+          </a:p>
+          <a:p>
+            <a:pPr lvl="1"/>
+            <a:r>
+              <a:rPr lang="fr-CH">
                 <a:solidFill>
                   <a:schemeClr val="bg2">
                     <a:lumMod val="25000"/>
                   </a:schemeClr>
                 </a:solidFill>
               </a:rPr>
-              <a:t>HSCMRRN001PD2A3</a:t>
-            </a:r>
-          </a:p>
-          <a:p>
-            <a:pPr lvl="1"/>
-            <a:r>
-              <a:rPr lang="fr-CH" dirty="0" smtClean="0">
+              <a:t>Plage</a:t>
+            </a:r>
+            <a:r>
+              <a:rPr lang="en-US">
                 <a:solidFill>
                   <a:schemeClr val="bg2">
                     <a:lumMod val="25000"/>
                   </a:schemeClr>
                 </a:solidFill>
               </a:rPr>
-              <a:t>Plage</a:t>
-            </a:r>
-            <a:r>
-              <a:rPr lang="en-US" dirty="0" smtClean="0">
+              <a:t> </a:t>
+            </a:r>
+            <a:r>
+              <a:rPr lang="fr-CH">
                 <a:solidFill>
                   <a:schemeClr val="bg2">
                     <a:lumMod val="25000"/>
                   </a:schemeClr>
                 </a:solidFill>
               </a:rPr>
-              <a:t> </a:t>
-            </a:r>
-            <a:r>
-              <a:rPr lang="fr-CH" dirty="0" smtClean="0">
+              <a:t>de</a:t>
+            </a:r>
+            <a:r>
+              <a:rPr lang="en-US">
                 <a:solidFill>
                   <a:schemeClr val="bg2">
                     <a:lumMod val="25000"/>
                   </a:schemeClr>
                 </a:solidFill>
               </a:rPr>
-              <a:t>de</a:t>
-            </a:r>
-            <a:r>
-              <a:rPr lang="en-US" dirty="0" smtClean="0">
+              <a:t> </a:t>
+            </a:r>
+            <a:r>
+              <a:rPr lang="fr-CH">
                 <a:solidFill>
                   <a:schemeClr val="bg2">
                     <a:lumMod val="25000"/>
                   </a:schemeClr>
                 </a:solidFill>
               </a:rPr>
-              <a:t> </a:t>
-            </a:r>
-            <a:r>
-              <a:rPr lang="fr-CH" dirty="0" smtClean="0">
+              <a:t>pression</a:t>
+            </a:r>
+            <a:r>
+              <a:rPr lang="en-US">
                 <a:solidFill>
                   <a:schemeClr val="bg2">
                     <a:lumMod val="25000"/>
                   </a:schemeClr>
                 </a:solidFill>
               </a:rPr>
-              <a:t>pression</a:t>
-            </a:r>
-            <a:r>
-              <a:rPr lang="en-US" dirty="0" smtClean="0">
+              <a:t> : ±</a:t>
+            </a:r>
+            <a:r>
+              <a:rPr lang="fr-CH">
                 <a:solidFill>
                   <a:schemeClr val="bg2">
                     <a:lumMod val="25000"/>
                   </a:schemeClr>
                 </a:solidFill>
               </a:rPr>
-              <a:t> : ±</a:t>
-            </a:r>
-            <a:r>
-              <a:rPr lang="fr-CH" dirty="0" smtClean="0">
+              <a:t>1psi</a:t>
+            </a:r>
+          </a:p>
+          <a:p>
+            <a:pPr lvl="1"/>
+            <a:r>
+              <a:rPr lang="fr-CH">
                 <a:solidFill>
                   <a:schemeClr val="bg2">
                     <a:lumMod val="25000"/>
                   </a:schemeClr>
                 </a:solidFill>
               </a:rPr>
-              <a:t>1psi</a:t>
-            </a:r>
-          </a:p>
-          <a:p>
-            <a:pPr lvl="1"/>
-            <a:r>
-              <a:rPr lang="fr-CH" dirty="0" smtClean="0">
+              <a:t>Précision : </a:t>
+            </a:r>
+            <a:r>
+              <a:rPr lang="en-US">
                 <a:solidFill>
                   <a:schemeClr val="bg2">
                     <a:lumMod val="25000"/>
                   </a:schemeClr>
                 </a:solidFill>
               </a:rPr>
-              <a:t>Plage de mesure : 10% - 90%</a:t>
-            </a:r>
-          </a:p>
-          <a:p>
-            <a:pPr lvl="1"/>
-            <a:r>
-              <a:rPr lang="fr-CH" dirty="0" smtClean="0">
+              <a:t>±</a:t>
+            </a:r>
+            <a:r>
+              <a:rPr lang="fr-CH">
                 <a:solidFill>
                   <a:schemeClr val="bg2">
                     <a:lumMod val="25000"/>
                   </a:schemeClr>
                 </a:solidFill>
               </a:rPr>
-              <a:t>Précision : </a:t>
-            </a:r>
-            <a:r>
-              <a:rPr lang="en-US" dirty="0" smtClean="0">
-                <a:solidFill>
-                  <a:schemeClr val="bg2">
-                    <a:lumMod val="25000"/>
-                  </a:schemeClr>
-                </a:solidFill>
-              </a:rPr>
-              <a:t>±</a:t>
-            </a:r>
-            <a:r>
-              <a:rPr lang="fr-CH" dirty="0">
-                <a:solidFill>
-                  <a:schemeClr val="bg2">
-                    <a:lumMod val="25000"/>
-                  </a:schemeClr>
-                </a:solidFill>
-              </a:rPr>
-              <a:t>1</a:t>
-            </a:r>
-            <a:r>
-              <a:rPr lang="fr-CH" dirty="0" smtClean="0">
-                <a:solidFill>
-                  <a:schemeClr val="bg2">
-                    <a:lumMod val="25000"/>
-                  </a:schemeClr>
-                </a:solidFill>
-              </a:rPr>
-              <a:t>%</a:t>
+              <a:t>1%</a:t>
             </a:r>
           </a:p>
           <a:p>
             <a:pPr lvl="1"/>
-            <a:endParaRPr lang="fr-CH" dirty="0"/>
+            <a:endParaRPr lang="fr-CH"/>
           </a:p>
           <a:p>
             <a:pPr lvl="1"/>
-            <a:endParaRPr lang="fr-CH" dirty="0" smtClean="0"/>
+            <a:endParaRPr lang="fr-CH"/>
           </a:p>
           <a:p>
             <a:pPr lvl="1"/>
-            <a:endParaRPr lang="fr-CH" dirty="0" smtClean="0"/>
+            <a:endParaRPr lang="fr-CH"/>
           </a:p>
           <a:p>
             <a:pPr lvl="1"/>
-            <a:endParaRPr lang="en-US" dirty="0"/>
+            <a:endParaRPr lang="en-US"/>
           </a:p>
         </p:txBody>
       </p:sp>
@@ -13087,7 +12824,7 @@
         </p:blipFill>
         <p:spPr>
           <a:xfrm>
-            <a:off x="7056813" y="4346498"/>
+            <a:off x="7018713" y="4842148"/>
             <a:ext cx="3916680" cy="564157"/>
           </a:xfrm>
           <a:prstGeom prst="rect">
@@ -13183,14 +12920,14 @@
           <a:lstStyle/>
           <a:p>
             <a:r>
-              <a:rPr lang="fr-CH" dirty="0" smtClean="0">
+              <a:rPr lang="fr-CH">
                 <a:solidFill>
                   <a:schemeClr val="bg1"/>
                 </a:solidFill>
               </a:rPr>
               <a:t>1 février 2023</a:t>
             </a:r>
-            <a:endParaRPr lang="en-US" dirty="0">
+            <a:endParaRPr lang="en-US">
               <a:solidFill>
                 <a:schemeClr val="bg1"/>
               </a:solidFill>
@@ -13221,14 +12958,14 @@
           <a:lstStyle/>
           <a:p>
             <a:r>
-              <a:rPr lang="fr-CH" dirty="0" smtClean="0">
+              <a:rPr lang="fr-CH">
                 <a:solidFill>
                   <a:schemeClr val="bg1"/>
                 </a:solidFill>
               </a:rPr>
               <a:t>Tube Pitot déporté</a:t>
             </a:r>
-            <a:endParaRPr lang="en-US" dirty="0">
+            <a:endParaRPr lang="en-US">
               <a:solidFill>
                 <a:schemeClr val="bg1"/>
               </a:solidFill>
@@ -13259,14 +12996,14 @@
           <a:lstStyle/>
           <a:p>
             <a:r>
-              <a:rPr lang="fr-CH" dirty="0" smtClean="0">
+              <a:rPr lang="fr-CH">
                 <a:solidFill>
                   <a:schemeClr val="bg1"/>
                 </a:solidFill>
               </a:rPr>
               <a:t>M.Ricchieri</a:t>
             </a:r>
-            <a:endParaRPr lang="en-US" dirty="0">
+            <a:endParaRPr lang="en-US">
               <a:solidFill>
                 <a:schemeClr val="bg1"/>
               </a:solidFill>
@@ -13287,13 +13024,6 @@
   <p:transition spd="slow">
     <p:push/>
   </p:transition>
-  <p:timing>
-    <p:tnLst>
-      <p:par>
-        <p:cTn id="1" dur="indefinite" restart="never" nodeType="tmRoot"/>
-      </p:par>
-    </p:tnLst>
-  </p:timing>
 </p:sld>
 </file>
 
